--- a/Powerpoint.pptx
+++ b/Powerpoint.pptx
@@ -8,8 +8,8 @@
     <p:sldId id="256" r:id="rId2"/>
     <p:sldId id="260" r:id="rId3"/>
     <p:sldId id="257" r:id="rId4"/>
-    <p:sldId id="258" r:id="rId5"/>
-    <p:sldId id="259" r:id="rId6"/>
+    <p:sldId id="263" r:id="rId5"/>
+    <p:sldId id="258" r:id="rId6"/>
     <p:sldId id="261" r:id="rId7"/>
     <p:sldId id="262" r:id="rId8"/>
   </p:sldIdLst>
@@ -120,7 +120,7 @@
 
 <file path=ppt/commentAuthors.xml><?xml version="1.0" encoding="utf-8"?>
 <p:cmAuthorLst xmlns:a="http://schemas.openxmlformats.org/drawingml/2006/main" xmlns:r="http://schemas.openxmlformats.org/officeDocument/2006/relationships" xmlns:p="http://schemas.openxmlformats.org/presentationml/2006/main">
-  <p:cmAuthor id="1" name="Aleksandr Vardanyan" initials="AV" lastIdx="1" clrIdx="0">
+  <p:cmAuthor id="1" name="Aleksandr Vardanyan" initials="AV" lastIdx="3" clrIdx="0">
     <p:extLst>
       <p:ext uri="{19B8F6BF-5375-455C-9EA6-DF929625EA0E}">
         <p15:presenceInfo xmlns:p15="http://schemas.microsoft.com/office/powerpoint/2012/main" userId="S::aleksanv@synopsys.com::d488f798-5768-4738-8f1c-b3385f6c5a53" providerId="AD"/>
@@ -128,6 +128,20 @@
     </p:extLst>
   </p:cmAuthor>
 </p:cmAuthorLst>
+</file>
+
+<file path=ppt/comments/comment1.xml><?xml version="1.0" encoding="utf-8"?>
+<p:cmLst xmlns:a="http://schemas.openxmlformats.org/drawingml/2006/main" xmlns:r="http://schemas.openxmlformats.org/officeDocument/2006/relationships" xmlns:p="http://schemas.openxmlformats.org/presentationml/2006/main">
+  <p:cm authorId="1" dt="2022-10-11T01:05:32.485" idx="3">
+    <p:pos x="1635" y="1766"/>
+    <p:text>will return commands pointer, if it is nullptr than the input was syntactically wrong</p:text>
+    <p:extLst>
+      <p:ext uri="{C676402C-5697-4E1C-873F-D02D1690AC5C}">
+        <p15:threadingInfo xmlns:p15="http://schemas.microsoft.com/office/powerpoint/2012/main" timeZoneBias="-240"/>
+      </p:ext>
+    </p:extLst>
+  </p:cm>
+</p:cmLst>
 </file>
 
 <file path=ppt/slideLayouts/slideLayout1.xml><?xml version="1.0" encoding="utf-8"?>
@@ -277,7 +291,7 @@
           <a:p>
             <a:fld id="{9E723CCF-A3C6-403D-858F-64DAFB8EF728}" type="datetimeFigureOut">
               <a:rPr lang="en-US" smtClean="0"/>
-              <a:t>10/6/2022</a:t>
+              <a:t>10/12/2022</a:t>
             </a:fld>
             <a:endParaRPr lang="en-US"/>
           </a:p>
@@ -475,7 +489,7 @@
           <a:p>
             <a:fld id="{9E723CCF-A3C6-403D-858F-64DAFB8EF728}" type="datetimeFigureOut">
               <a:rPr lang="en-US" smtClean="0"/>
-              <a:t>10/6/2022</a:t>
+              <a:t>10/12/2022</a:t>
             </a:fld>
             <a:endParaRPr lang="en-US"/>
           </a:p>
@@ -683,7 +697,7 @@
           <a:p>
             <a:fld id="{9E723CCF-A3C6-403D-858F-64DAFB8EF728}" type="datetimeFigureOut">
               <a:rPr lang="en-US" smtClean="0"/>
-              <a:t>10/6/2022</a:t>
+              <a:t>10/12/2022</a:t>
             </a:fld>
             <a:endParaRPr lang="en-US"/>
           </a:p>
@@ -881,7 +895,7 @@
           <a:p>
             <a:fld id="{9E723CCF-A3C6-403D-858F-64DAFB8EF728}" type="datetimeFigureOut">
               <a:rPr lang="en-US" smtClean="0"/>
-              <a:t>10/6/2022</a:t>
+              <a:t>10/12/2022</a:t>
             </a:fld>
             <a:endParaRPr lang="en-US"/>
           </a:p>
@@ -1156,7 +1170,7 @@
           <a:p>
             <a:fld id="{9E723CCF-A3C6-403D-858F-64DAFB8EF728}" type="datetimeFigureOut">
               <a:rPr lang="en-US" smtClean="0"/>
-              <a:t>10/6/2022</a:t>
+              <a:t>10/12/2022</a:t>
             </a:fld>
             <a:endParaRPr lang="en-US"/>
           </a:p>
@@ -1421,7 +1435,7 @@
           <a:p>
             <a:fld id="{9E723CCF-A3C6-403D-858F-64DAFB8EF728}" type="datetimeFigureOut">
               <a:rPr lang="en-US" smtClean="0"/>
-              <a:t>10/6/2022</a:t>
+              <a:t>10/12/2022</a:t>
             </a:fld>
             <a:endParaRPr lang="en-US"/>
           </a:p>
@@ -1833,7 +1847,7 @@
           <a:p>
             <a:fld id="{9E723CCF-A3C6-403D-858F-64DAFB8EF728}" type="datetimeFigureOut">
               <a:rPr lang="en-US" smtClean="0"/>
-              <a:t>10/6/2022</a:t>
+              <a:t>10/12/2022</a:t>
             </a:fld>
             <a:endParaRPr lang="en-US"/>
           </a:p>
@@ -1974,7 +1988,7 @@
           <a:p>
             <a:fld id="{9E723CCF-A3C6-403D-858F-64DAFB8EF728}" type="datetimeFigureOut">
               <a:rPr lang="en-US" smtClean="0"/>
-              <a:t>10/6/2022</a:t>
+              <a:t>10/12/2022</a:t>
             </a:fld>
             <a:endParaRPr lang="en-US"/>
           </a:p>
@@ -2087,7 +2101,7 @@
           <a:p>
             <a:fld id="{9E723CCF-A3C6-403D-858F-64DAFB8EF728}" type="datetimeFigureOut">
               <a:rPr lang="en-US" smtClean="0"/>
-              <a:t>10/6/2022</a:t>
+              <a:t>10/12/2022</a:t>
             </a:fld>
             <a:endParaRPr lang="en-US"/>
           </a:p>
@@ -2398,7 +2412,7 @@
           <a:p>
             <a:fld id="{9E723CCF-A3C6-403D-858F-64DAFB8EF728}" type="datetimeFigureOut">
               <a:rPr lang="en-US" smtClean="0"/>
-              <a:t>10/6/2022</a:t>
+              <a:t>10/12/2022</a:t>
             </a:fld>
             <a:endParaRPr lang="en-US"/>
           </a:p>
@@ -2686,7 +2700,7 @@
           <a:p>
             <a:fld id="{9E723CCF-A3C6-403D-858F-64DAFB8EF728}" type="datetimeFigureOut">
               <a:rPr lang="en-US" smtClean="0"/>
-              <a:t>10/6/2022</a:t>
+              <a:t>10/12/2022</a:t>
             </a:fld>
             <a:endParaRPr lang="en-US"/>
           </a:p>
@@ -2927,7 +2941,7 @@
           <a:p>
             <a:fld id="{9E723CCF-A3C6-403D-858F-64DAFB8EF728}" type="datetimeFigureOut">
               <a:rPr lang="en-US" smtClean="0"/>
-              <a:t>10/6/2022</a:t>
+              <a:t>10/12/2022</a:t>
             </a:fld>
             <a:endParaRPr lang="en-US"/>
           </a:p>
@@ -3460,7 +3474,7 @@
           <a:p>
             <a:r>
               <a:rPr lang="en-US" dirty="0" err="1"/>
-              <a:t>PwPtData</a:t>
+              <a:t>PwPtDocument</a:t>
             </a:r>
             <a:endParaRPr lang="en-US" dirty="0"/>
           </a:p>
@@ -3730,7 +3744,7 @@
           <a:p>
             <a:r>
               <a:rPr lang="en-US" dirty="0" err="1"/>
-              <a:t>PwPtMachine</a:t>
+              <a:t>PwPtApplication</a:t>
             </a:r>
             <a:endParaRPr lang="en-US" dirty="0"/>
           </a:p>
@@ -3738,59 +3752,24 @@
       </p:sp>
       <p:sp>
         <p:nvSpPr>
-          <p:cNvPr id="7" name="TextBox 6">
-            <a:extLst>
-              <a:ext uri="{FF2B5EF4-FFF2-40B4-BE49-F238E27FC236}">
-                <a16:creationId xmlns:a16="http://schemas.microsoft.com/office/drawing/2014/main" id="{C87317C5-8A83-4874-A6E9-B357492DA64F}"/>
-              </a:ext>
-            </a:extLst>
-          </p:cNvPr>
-          <p:cNvSpPr txBox="1"/>
+          <p:cNvPr id="10" name="Rectangle 9">
+            <a:extLst>
+              <a:ext uri="{FF2B5EF4-FFF2-40B4-BE49-F238E27FC236}">
+                <a16:creationId xmlns:a16="http://schemas.microsoft.com/office/drawing/2014/main" id="{1445D8E1-B674-43AC-BB1C-967C8A1769D6}"/>
+              </a:ext>
+            </a:extLst>
+          </p:cNvPr>
+          <p:cNvSpPr/>
           <p:nvPr/>
         </p:nvSpPr>
         <p:spPr>
           <a:xfrm>
-            <a:off x="1592179" y="1420273"/>
-            <a:ext cx="3461083" cy="646331"/>
+            <a:off x="7495673" y="2958881"/>
+            <a:ext cx="3517230" cy="923330"/>
           </a:xfrm>
           <a:prstGeom prst="rect">
             <a:avLst/>
           </a:prstGeom>
-          <a:noFill/>
-        </p:spPr>
-        <p:txBody>
-          <a:bodyPr wrap="square" rtlCol="0">
-            <a:spAutoFit/>
-          </a:bodyPr>
-          <a:lstStyle/>
-          <a:p>
-            <a:r>
-              <a:rPr lang="en-US" dirty="0"/>
-              <a:t>Start (wait for any command or action)</a:t>
-            </a:r>
-          </a:p>
-        </p:txBody>
-      </p:sp>
-      <p:sp>
-        <p:nvSpPr>
-          <p:cNvPr id="10" name="Rectangle 9">
-            <a:extLst>
-              <a:ext uri="{FF2B5EF4-FFF2-40B4-BE49-F238E27FC236}">
-                <a16:creationId xmlns:a16="http://schemas.microsoft.com/office/drawing/2014/main" id="{1445D8E1-B674-43AC-BB1C-967C8A1769D6}"/>
-              </a:ext>
-            </a:extLst>
-          </p:cNvPr>
-          <p:cNvSpPr/>
-          <p:nvPr/>
-        </p:nvSpPr>
-        <p:spPr>
-          <a:xfrm>
-            <a:off x="7495673" y="2958881"/>
-            <a:ext cx="3517230" cy="923330"/>
-          </a:xfrm>
-          <a:prstGeom prst="rect">
-            <a:avLst/>
-          </a:prstGeom>
         </p:spPr>
         <p:txBody>
           <a:bodyPr wrap="square">
@@ -3814,10 +3793,10 @@
       </p:sp>
       <p:sp>
         <p:nvSpPr>
-          <p:cNvPr id="12" name="Rectangle 11">
-            <a:extLst>
-              <a:ext uri="{FF2B5EF4-FFF2-40B4-BE49-F238E27FC236}">
-                <a16:creationId xmlns:a16="http://schemas.microsoft.com/office/drawing/2014/main" id="{70A1F180-FB18-4A00-AB89-131BA54827D3}"/>
+          <p:cNvPr id="13" name="Oval 12">
+            <a:extLst>
+              <a:ext uri="{FF2B5EF4-FFF2-40B4-BE49-F238E27FC236}">
+                <a16:creationId xmlns:a16="http://schemas.microsoft.com/office/drawing/2014/main" id="{E01E6B26-5439-4549-AADC-B188A96B9804}"/>
               </a:ext>
             </a:extLst>
           </p:cNvPr>
@@ -3826,39 +3805,65 @@
         </p:nvSpPr>
         <p:spPr>
           <a:xfrm>
-            <a:off x="6645443" y="902823"/>
-            <a:ext cx="3027946" cy="646331"/>
-          </a:xfrm>
-          <a:prstGeom prst="rect">
+            <a:off x="6301537" y="582940"/>
+            <a:ext cx="4181979" cy="1321263"/>
+          </a:xfrm>
+          <a:prstGeom prst="ellipse">
             <a:avLst/>
           </a:prstGeom>
         </p:spPr>
-        <p:txBody>
-          <a:bodyPr wrap="square">
-            <a:spAutoFit/>
-          </a:bodyPr>
+        <p:style>
+          <a:lnRef idx="2">
+            <a:schemeClr val="accent1"/>
+          </a:lnRef>
+          <a:fillRef idx="1">
+            <a:schemeClr val="lt1"/>
+          </a:fillRef>
+          <a:effectRef idx="0">
+            <a:schemeClr val="accent1"/>
+          </a:effectRef>
+          <a:fontRef idx="minor">
+            <a:schemeClr val="dk1"/>
+          </a:fontRef>
+        </p:style>
+        <p:txBody>
+          <a:bodyPr rtlCol="0" anchor="ctr"/>
           <a:lstStyle/>
           <a:p>
             <a:r>
               <a:rPr lang="en-US" dirty="0" err="1"/>
-              <a:t>CCommandHandler</a:t>
+              <a:t>CConsole</a:t>
             </a:r>
             <a:endParaRPr lang="en-US" dirty="0"/>
           </a:p>
           <a:p>
             <a:r>
               <a:rPr lang="en-US" dirty="0"/>
-              <a:t>	(parse)</a:t>
-            </a:r>
-          </a:p>
-        </p:txBody>
-      </p:sp>
-      <p:sp>
-        <p:nvSpPr>
-          <p:cNvPr id="13" name="Oval 12">
-            <a:extLst>
-              <a:ext uri="{FF2B5EF4-FFF2-40B4-BE49-F238E27FC236}">
-                <a16:creationId xmlns:a16="http://schemas.microsoft.com/office/drawing/2014/main" id="{E01E6B26-5439-4549-AADC-B188A96B9804}"/>
+              <a:t>	(parse, </a:t>
+            </a:r>
+          </a:p>
+          <a:p>
+            <a:r>
+              <a:rPr lang="en-US" dirty="0"/>
+              <a:t>	create </a:t>
+            </a:r>
+            <a:r>
+              <a:rPr lang="en-US" dirty="0" err="1"/>
+              <a:t>CCommand</a:t>
+            </a:r>
+            <a:r>
+              <a:rPr lang="en-US" dirty="0"/>
+              <a:t>)</a:t>
+            </a:r>
+          </a:p>
+        </p:txBody>
+      </p:sp>
+      <p:sp>
+        <p:nvSpPr>
+          <p:cNvPr id="14" name="Oval 13">
+            <a:extLst>
+              <a:ext uri="{FF2B5EF4-FFF2-40B4-BE49-F238E27FC236}">
+                <a16:creationId xmlns:a16="http://schemas.microsoft.com/office/drawing/2014/main" id="{E3081814-9654-4451-8A56-7E8AE6295CA0}"/>
               </a:ext>
             </a:extLst>
           </p:cNvPr>
@@ -3867,8 +3872,8 @@
         </p:nvSpPr>
         <p:spPr>
           <a:xfrm>
-            <a:off x="6301538" y="582940"/>
-            <a:ext cx="2775285" cy="1424920"/>
+            <a:off x="7063539" y="2482516"/>
+            <a:ext cx="4026568" cy="1892968"/>
           </a:xfrm>
           <a:prstGeom prst="ellipse">
             <a:avLst/>
@@ -3900,53 +3905,6 @@
           </a:p>
         </p:txBody>
       </p:sp>
-      <p:sp>
-        <p:nvSpPr>
-          <p:cNvPr id="14" name="Oval 13">
-            <a:extLst>
-              <a:ext uri="{FF2B5EF4-FFF2-40B4-BE49-F238E27FC236}">
-                <a16:creationId xmlns:a16="http://schemas.microsoft.com/office/drawing/2014/main" id="{E3081814-9654-4451-8A56-7E8AE6295CA0}"/>
-              </a:ext>
-            </a:extLst>
-          </p:cNvPr>
-          <p:cNvSpPr/>
-          <p:nvPr/>
-        </p:nvSpPr>
-        <p:spPr>
-          <a:xfrm>
-            <a:off x="7063539" y="2482516"/>
-            <a:ext cx="4026568" cy="1892968"/>
-          </a:xfrm>
-          <a:prstGeom prst="ellipse">
-            <a:avLst/>
-          </a:prstGeom>
-          <a:noFill/>
-        </p:spPr>
-        <p:style>
-          <a:lnRef idx="2">
-            <a:schemeClr val="accent1">
-              <a:shade val="50000"/>
-            </a:schemeClr>
-          </a:lnRef>
-          <a:fillRef idx="1">
-            <a:schemeClr val="accent1"/>
-          </a:fillRef>
-          <a:effectRef idx="0">
-            <a:schemeClr val="accent1"/>
-          </a:effectRef>
-          <a:fontRef idx="minor">
-            <a:schemeClr val="lt1"/>
-          </a:fontRef>
-        </p:style>
-        <p:txBody>
-          <a:bodyPr rtlCol="0" anchor="ctr"/>
-          <a:lstStyle/>
-          <a:p>
-            <a:pPr algn="ctr"/>
-            <a:endParaRPr lang="en-US"/>
-          </a:p>
-        </p:txBody>
-      </p:sp>
       <p:cxnSp>
         <p:nvCxnSpPr>
           <p:cNvPr id="16" name="Straight Arrow Connector 15">
@@ -3956,13 +3914,17 @@
               </a:ext>
             </a:extLst>
           </p:cNvPr>
-          <p:cNvCxnSpPr/>
+          <p:cNvCxnSpPr>
+            <a:cxnSpLocks/>
+            <a:stCxn id="13" idx="3"/>
+            <a:endCxn id="3" idx="0"/>
+          </p:cNvCxnSpPr>
           <p:nvPr/>
         </p:nvCxnSpPr>
         <p:spPr>
           <a:xfrm flipH="1">
-            <a:off x="2486526" y="1612232"/>
-            <a:ext cx="3986463" cy="1411705"/>
+            <a:off x="2375179" y="1710709"/>
+            <a:ext cx="4538795" cy="1260993"/>
           </a:xfrm>
           <a:prstGeom prst="straightConnector1">
             <a:avLst/>
@@ -3996,14 +3958,16 @@
             </a:extLst>
           </p:cNvPr>
           <p:cNvCxnSpPr>
+            <a:cxnSpLocks/>
             <a:stCxn id="14" idx="1"/>
+            <a:endCxn id="5" idx="3"/>
           </p:cNvCxnSpPr>
           <p:nvPr/>
         </p:nvCxnSpPr>
         <p:spPr>
           <a:xfrm flipH="1">
-            <a:off x="2662989" y="2759735"/>
-            <a:ext cx="4990227" cy="593065"/>
+            <a:off x="2585785" y="2759735"/>
+            <a:ext cx="5067431" cy="696843"/>
           </a:xfrm>
           <a:prstGeom prst="straightConnector1">
             <a:avLst/>
@@ -4029,52 +3993,45 @@
       </p:cxnSp>
       <p:sp>
         <p:nvSpPr>
-          <p:cNvPr id="20" name="TextBox 19">
-            <a:extLst>
-              <a:ext uri="{FF2B5EF4-FFF2-40B4-BE49-F238E27FC236}">
-                <a16:creationId xmlns:a16="http://schemas.microsoft.com/office/drawing/2014/main" id="{DF956C37-CC00-4996-A1E9-E08069BA71FD}"/>
-              </a:ext>
-            </a:extLst>
-          </p:cNvPr>
-          <p:cNvSpPr txBox="1"/>
+          <p:cNvPr id="3" name="Rectangle 2">
+            <a:extLst>
+              <a:ext uri="{FF2B5EF4-FFF2-40B4-BE49-F238E27FC236}">
+                <a16:creationId xmlns:a16="http://schemas.microsoft.com/office/drawing/2014/main" id="{A65EFC35-D8B9-489E-939B-7E31093D2FFD}"/>
+              </a:ext>
+            </a:extLst>
+          </p:cNvPr>
+          <p:cNvSpPr/>
           <p:nvPr/>
         </p:nvSpPr>
         <p:spPr>
           <a:xfrm>
-            <a:off x="8510337" y="5037221"/>
-            <a:ext cx="2502566" cy="646331"/>
+            <a:off x="1997731" y="2971702"/>
+            <a:ext cx="754896" cy="246221"/>
           </a:xfrm>
           <a:prstGeom prst="rect">
             <a:avLst/>
           </a:prstGeom>
-          <a:noFill/>
-        </p:spPr>
-        <p:txBody>
-          <a:bodyPr wrap="square" rtlCol="0">
+        </p:spPr>
+        <p:txBody>
+          <a:bodyPr wrap="square">
             <a:spAutoFit/>
           </a:bodyPr>
           <a:lstStyle/>
           <a:p>
             <a:r>
-              <a:rPr lang="en-US" dirty="0" err="1"/>
-              <a:t>CTaskFactory</a:t>
-            </a:r>
-            <a:endParaRPr lang="en-US" dirty="0"/>
-          </a:p>
-          <a:p>
-            <a:r>
-              <a:rPr lang="en-US" dirty="0"/>
-              <a:t>	create task</a:t>
-            </a:r>
-          </a:p>
-        </p:txBody>
-      </p:sp>
-      <p:sp>
-        <p:nvSpPr>
-          <p:cNvPr id="21" name="Oval 20">
-            <a:extLst>
-              <a:ext uri="{FF2B5EF4-FFF2-40B4-BE49-F238E27FC236}">
-                <a16:creationId xmlns:a16="http://schemas.microsoft.com/office/drawing/2014/main" id="{2A7A7773-D7E4-448B-885E-EB86201FD546}"/>
+              <a:rPr lang="en-US" sz="1000" dirty="0" err="1"/>
+              <a:t>CConsole</a:t>
+            </a:r>
+            <a:endParaRPr lang="en-US" sz="1000" dirty="0"/>
+          </a:p>
+        </p:txBody>
+      </p:sp>
+      <p:sp>
+        <p:nvSpPr>
+          <p:cNvPr id="5" name="Rectangle 4">
+            <a:extLst>
+              <a:ext uri="{FF2B5EF4-FFF2-40B4-BE49-F238E27FC236}">
+                <a16:creationId xmlns:a16="http://schemas.microsoft.com/office/drawing/2014/main" id="{1CC30318-AEBB-46A7-946C-576C7776B61E}"/>
               </a:ext>
             </a:extLst>
           </p:cNvPr>
@@ -4083,10 +4040,84 @@
         </p:nvSpPr>
         <p:spPr>
           <a:xfrm>
-            <a:off x="8510338" y="4850140"/>
-            <a:ext cx="2197768" cy="954505"/>
-          </a:xfrm>
-          <a:prstGeom prst="ellipse">
+            <a:off x="1649310" y="3333467"/>
+            <a:ext cx="936475" cy="246221"/>
+          </a:xfrm>
+          <a:prstGeom prst="rect">
+            <a:avLst/>
+          </a:prstGeom>
+        </p:spPr>
+        <p:txBody>
+          <a:bodyPr wrap="none">
+            <a:spAutoFit/>
+          </a:bodyPr>
+          <a:lstStyle/>
+          <a:p>
+            <a:r>
+              <a:rPr lang="en-US" sz="1000" dirty="0" err="1"/>
+              <a:t>CTaskMachine</a:t>
+            </a:r>
+            <a:endParaRPr lang="en-US" sz="1000" dirty="0"/>
+          </a:p>
+        </p:txBody>
+      </p:sp>
+      <p:sp>
+        <p:nvSpPr>
+          <p:cNvPr id="9" name="Rectangle 8">
+            <a:extLst>
+              <a:ext uri="{FF2B5EF4-FFF2-40B4-BE49-F238E27FC236}">
+                <a16:creationId xmlns:a16="http://schemas.microsoft.com/office/drawing/2014/main" id="{DF0FAF2E-7CB3-4C80-830F-1B909226F689}"/>
+              </a:ext>
+            </a:extLst>
+          </p:cNvPr>
+          <p:cNvSpPr/>
+          <p:nvPr/>
+        </p:nvSpPr>
+        <p:spPr>
+          <a:xfrm>
+            <a:off x="8611284" y="3938487"/>
+            <a:ext cx="1436612" cy="261610"/>
+          </a:xfrm>
+          <a:prstGeom prst="rect">
+            <a:avLst/>
+          </a:prstGeom>
+        </p:spPr>
+        <p:txBody>
+          <a:bodyPr wrap="none">
+            <a:spAutoFit/>
+          </a:bodyPr>
+          <a:lstStyle/>
+          <a:p>
+            <a:r>
+              <a:rPr lang="en-US" sz="1100" dirty="0"/>
+              <a:t>Contains </a:t>
+            </a:r>
+            <a:r>
+              <a:rPr lang="en-US" sz="1100" dirty="0" err="1"/>
+              <a:t>ActionsStack</a:t>
+            </a:r>
+            <a:endParaRPr lang="en-US" sz="1100" dirty="0"/>
+          </a:p>
+        </p:txBody>
+      </p:sp>
+      <p:sp>
+        <p:nvSpPr>
+          <p:cNvPr id="11" name="Rectangle 10">
+            <a:extLst>
+              <a:ext uri="{FF2B5EF4-FFF2-40B4-BE49-F238E27FC236}">
+                <a16:creationId xmlns:a16="http://schemas.microsoft.com/office/drawing/2014/main" id="{6F7CF575-1EBD-4785-9829-0B3C10BC5810}"/>
+              </a:ext>
+            </a:extLst>
+          </p:cNvPr>
+          <p:cNvSpPr/>
+          <p:nvPr/>
+        </p:nvSpPr>
+        <p:spPr>
+          <a:xfrm>
+            <a:off x="8611284" y="3938487"/>
+            <a:ext cx="1382110" cy="261610"/>
+          </a:xfrm>
+          <a:prstGeom prst="rect">
             <a:avLst/>
           </a:prstGeom>
           <a:noFill/>
@@ -4116,53 +4147,12 @@
           </a:p>
         </p:txBody>
       </p:sp>
-      <p:cxnSp>
-        <p:nvCxnSpPr>
-          <p:cNvPr id="26" name="Straight Arrow Connector 25">
-            <a:extLst>
-              <a:ext uri="{FF2B5EF4-FFF2-40B4-BE49-F238E27FC236}">
-                <a16:creationId xmlns:a16="http://schemas.microsoft.com/office/drawing/2014/main" id="{BDB510FA-E93D-42E9-ADB9-0A8DCA7AF5BA}"/>
-              </a:ext>
-            </a:extLst>
-          </p:cNvPr>
-          <p:cNvCxnSpPr>
-            <a:stCxn id="21" idx="2"/>
-          </p:cNvCxnSpPr>
-          <p:nvPr/>
-        </p:nvCxnSpPr>
-        <p:spPr>
-          <a:xfrm flipH="1" flipV="1">
-            <a:off x="2767263" y="3978442"/>
-            <a:ext cx="5743075" cy="1348951"/>
-          </a:xfrm>
-          <a:prstGeom prst="straightConnector1">
-            <a:avLst/>
-          </a:prstGeom>
-          <a:ln>
-            <a:tailEnd type="triangle"/>
-          </a:ln>
-        </p:spPr>
-        <p:style>
-          <a:lnRef idx="1">
-            <a:schemeClr val="accent1"/>
-          </a:lnRef>
-          <a:fillRef idx="0">
-            <a:schemeClr val="accent1"/>
-          </a:fillRef>
-          <a:effectRef idx="0">
-            <a:schemeClr val="accent1"/>
-          </a:effectRef>
-          <a:fontRef idx="minor">
-            <a:schemeClr val="tx1"/>
-          </a:fontRef>
-        </p:style>
-      </p:cxnSp>
-      <p:sp>
-        <p:nvSpPr>
-          <p:cNvPr id="3" name="Rectangle 2">
-            <a:extLst>
-              <a:ext uri="{FF2B5EF4-FFF2-40B4-BE49-F238E27FC236}">
-                <a16:creationId xmlns:a16="http://schemas.microsoft.com/office/drawing/2014/main" id="{A65EFC35-D8B9-489E-939B-7E31093D2FFD}"/>
+      <p:sp>
+        <p:nvSpPr>
+          <p:cNvPr id="15" name="Rectangle 14">
+            <a:extLst>
+              <a:ext uri="{FF2B5EF4-FFF2-40B4-BE49-F238E27FC236}">
+                <a16:creationId xmlns:a16="http://schemas.microsoft.com/office/drawing/2014/main" id="{2C62CB92-D36A-46EC-8940-555490E7D506}"/>
               </a:ext>
             </a:extLst>
           </p:cNvPr>
@@ -4171,84 +4161,14 @@
         </p:nvSpPr>
         <p:spPr>
           <a:xfrm>
-            <a:off x="1437265" y="2989353"/>
-            <a:ext cx="1204176" cy="246221"/>
+            <a:off x="1483893" y="5377934"/>
+            <a:ext cx="1513895" cy="246221"/>
           </a:xfrm>
           <a:prstGeom prst="rect">
             <a:avLst/>
           </a:prstGeom>
         </p:spPr>
         <p:txBody>
-          <a:bodyPr wrap="none">
-            <a:spAutoFit/>
-          </a:bodyPr>
-          <a:lstStyle/>
-          <a:p>
-            <a:r>
-              <a:rPr lang="en-US" sz="1000" dirty="0" err="1"/>
-              <a:t>CCommandHandler</a:t>
-            </a:r>
-            <a:endParaRPr lang="en-US" sz="1000" dirty="0"/>
-          </a:p>
-        </p:txBody>
-      </p:sp>
-      <p:sp>
-        <p:nvSpPr>
-          <p:cNvPr id="5" name="Rectangle 4">
-            <a:extLst>
-              <a:ext uri="{FF2B5EF4-FFF2-40B4-BE49-F238E27FC236}">
-                <a16:creationId xmlns:a16="http://schemas.microsoft.com/office/drawing/2014/main" id="{1CC30318-AEBB-46A7-946C-576C7776B61E}"/>
-              </a:ext>
-            </a:extLst>
-          </p:cNvPr>
-          <p:cNvSpPr/>
-          <p:nvPr/>
-        </p:nvSpPr>
-        <p:spPr>
-          <a:xfrm>
-            <a:off x="1649310" y="3333467"/>
-            <a:ext cx="936475" cy="246221"/>
-          </a:xfrm>
-          <a:prstGeom prst="rect">
-            <a:avLst/>
-          </a:prstGeom>
-        </p:spPr>
-        <p:txBody>
-          <a:bodyPr wrap="none">
-            <a:spAutoFit/>
-          </a:bodyPr>
-          <a:lstStyle/>
-          <a:p>
-            <a:r>
-              <a:rPr lang="en-US" sz="1000" dirty="0" err="1"/>
-              <a:t>CTaskMachine</a:t>
-            </a:r>
-            <a:endParaRPr lang="en-US" sz="1000" dirty="0"/>
-          </a:p>
-        </p:txBody>
-      </p:sp>
-      <p:sp>
-        <p:nvSpPr>
-          <p:cNvPr id="8" name="Rectangle 7">
-            <a:extLst>
-              <a:ext uri="{FF2B5EF4-FFF2-40B4-BE49-F238E27FC236}">
-                <a16:creationId xmlns:a16="http://schemas.microsoft.com/office/drawing/2014/main" id="{03C98B96-697A-420D-BCD6-6CDD02D3265A}"/>
-              </a:ext>
-            </a:extLst>
-          </p:cNvPr>
-          <p:cNvSpPr/>
-          <p:nvPr/>
-        </p:nvSpPr>
-        <p:spPr>
-          <a:xfrm>
-            <a:off x="1975262" y="3847111"/>
-            <a:ext cx="1022527" cy="246221"/>
-          </a:xfrm>
-          <a:prstGeom prst="rect">
-            <a:avLst/>
-          </a:prstGeom>
-        </p:spPr>
-        <p:txBody>
           <a:bodyPr wrap="square">
             <a:spAutoFit/>
           </a:bodyPr>
@@ -4256,128 +4176,7 @@
           <a:p>
             <a:r>
               <a:rPr lang="en-US" sz="1000" dirty="0" err="1"/>
-              <a:t>CTaskFactory</a:t>
-            </a:r>
-            <a:endParaRPr lang="en-US" sz="1000" dirty="0"/>
-          </a:p>
-        </p:txBody>
-      </p:sp>
-      <p:sp>
-        <p:nvSpPr>
-          <p:cNvPr id="9" name="Rectangle 8">
-            <a:extLst>
-              <a:ext uri="{FF2B5EF4-FFF2-40B4-BE49-F238E27FC236}">
-                <a16:creationId xmlns:a16="http://schemas.microsoft.com/office/drawing/2014/main" id="{DF0FAF2E-7CB3-4C80-830F-1B909226F689}"/>
-              </a:ext>
-            </a:extLst>
-          </p:cNvPr>
-          <p:cNvSpPr/>
-          <p:nvPr/>
-        </p:nvSpPr>
-        <p:spPr>
-          <a:xfrm>
-            <a:off x="8611284" y="3938487"/>
-            <a:ext cx="1382110" cy="261610"/>
-          </a:xfrm>
-          <a:prstGeom prst="rect">
-            <a:avLst/>
-          </a:prstGeom>
-        </p:spPr>
-        <p:txBody>
-          <a:bodyPr wrap="none">
-            <a:spAutoFit/>
-          </a:bodyPr>
-          <a:lstStyle/>
-          <a:p>
-            <a:r>
-              <a:rPr lang="en-US" sz="1100" dirty="0"/>
-              <a:t>Contains </a:t>
-            </a:r>
-            <a:r>
-              <a:rPr lang="en-US" sz="1100" dirty="0" err="1"/>
-              <a:t>ActionStack</a:t>
-            </a:r>
-            <a:endParaRPr lang="en-US" sz="1100" dirty="0"/>
-          </a:p>
-        </p:txBody>
-      </p:sp>
-      <p:sp>
-        <p:nvSpPr>
-          <p:cNvPr id="11" name="Rectangle 10">
-            <a:extLst>
-              <a:ext uri="{FF2B5EF4-FFF2-40B4-BE49-F238E27FC236}">
-                <a16:creationId xmlns:a16="http://schemas.microsoft.com/office/drawing/2014/main" id="{6F7CF575-1EBD-4785-9829-0B3C10BC5810}"/>
-              </a:ext>
-            </a:extLst>
-          </p:cNvPr>
-          <p:cNvSpPr/>
-          <p:nvPr/>
-        </p:nvSpPr>
-        <p:spPr>
-          <a:xfrm>
-            <a:off x="8611284" y="3938487"/>
-            <a:ext cx="1382110" cy="261610"/>
-          </a:xfrm>
-          <a:prstGeom prst="rect">
-            <a:avLst/>
-          </a:prstGeom>
-          <a:noFill/>
-        </p:spPr>
-        <p:style>
-          <a:lnRef idx="2">
-            <a:schemeClr val="accent1">
-              <a:shade val="50000"/>
-            </a:schemeClr>
-          </a:lnRef>
-          <a:fillRef idx="1">
-            <a:schemeClr val="accent1"/>
-          </a:fillRef>
-          <a:effectRef idx="0">
-            <a:schemeClr val="accent1"/>
-          </a:effectRef>
-          <a:fontRef idx="minor">
-            <a:schemeClr val="lt1"/>
-          </a:fontRef>
-        </p:style>
-        <p:txBody>
-          <a:bodyPr rtlCol="0" anchor="ctr"/>
-          <a:lstStyle/>
-          <a:p>
-            <a:pPr algn="ctr"/>
-            <a:endParaRPr lang="en-US"/>
-          </a:p>
-        </p:txBody>
-      </p:sp>
-      <p:sp>
-        <p:nvSpPr>
-          <p:cNvPr id="15" name="Rectangle 14">
-            <a:extLst>
-              <a:ext uri="{FF2B5EF4-FFF2-40B4-BE49-F238E27FC236}">
-                <a16:creationId xmlns:a16="http://schemas.microsoft.com/office/drawing/2014/main" id="{2C62CB92-D36A-46EC-8940-555490E7D506}"/>
-              </a:ext>
-            </a:extLst>
-          </p:cNvPr>
-          <p:cNvSpPr/>
-          <p:nvPr/>
-        </p:nvSpPr>
-        <p:spPr>
-          <a:xfrm>
-            <a:off x="1483893" y="5377934"/>
-            <a:ext cx="1513895" cy="246221"/>
-          </a:xfrm>
-          <a:prstGeom prst="rect">
-            <a:avLst/>
-          </a:prstGeom>
-        </p:spPr>
-        <p:txBody>
-          <a:bodyPr wrap="square">
-            <a:spAutoFit/>
-          </a:bodyPr>
-          <a:lstStyle/>
-          <a:p>
-            <a:r>
-              <a:rPr lang="en-US" sz="1000" dirty="0" err="1"/>
-              <a:t>PwPtData</a:t>
+              <a:t>PwPtDocument</a:t>
             </a:r>
             <a:r>
               <a:rPr lang="en-US" sz="1000" dirty="0"/>
@@ -4503,10 +4302,10 @@
       </p:grpSpPr>
       <p:sp>
         <p:nvSpPr>
-          <p:cNvPr id="4" name="TextBox 3">
-            <a:extLst>
-              <a:ext uri="{FF2B5EF4-FFF2-40B4-BE49-F238E27FC236}">
-                <a16:creationId xmlns:a16="http://schemas.microsoft.com/office/drawing/2014/main" id="{423CB03A-6697-44DC-A5A0-6932720F8E09}"/>
+          <p:cNvPr id="5" name="TextBox 4">
+            <a:extLst>
+              <a:ext uri="{FF2B5EF4-FFF2-40B4-BE49-F238E27FC236}">
+                <a16:creationId xmlns:a16="http://schemas.microsoft.com/office/drawing/2014/main" id="{3A292DC7-00AE-4B5E-A93C-467B51F0AA7F}"/>
               </a:ext>
             </a:extLst>
           </p:cNvPr>
@@ -4515,8 +4314,8 @@
         </p:nvSpPr>
         <p:spPr>
           <a:xfrm>
-            <a:off x="819150" y="561975"/>
-            <a:ext cx="3638550" cy="1477328"/>
+            <a:off x="6822691" y="752816"/>
+            <a:ext cx="3577389" cy="923330"/>
           </a:xfrm>
           <a:prstGeom prst="rect">
             <a:avLst/>
@@ -4529,41 +4328,35 @@
           </a:bodyPr>
           <a:lstStyle/>
           <a:p>
+            <a:pPr algn="ctr"/>
             <a:r>
               <a:rPr lang="en-US" dirty="0" err="1"/>
-              <a:t>CSlideShow</a:t>
+              <a:t>CCommand</a:t>
             </a:r>
             <a:endParaRPr lang="en-US" dirty="0"/>
           </a:p>
           <a:p>
+            <a:pPr algn="ctr"/>
             <a:r>
               <a:rPr lang="en-US" dirty="0"/>
-              <a:t>	(Slides container)</a:t>
-            </a:r>
-          </a:p>
-          <a:p>
+              <a:t>Is created from the result of parsing</a:t>
+            </a:r>
+          </a:p>
+          <a:p>
+            <a:pPr algn="ctr"/>
             <a:r>
               <a:rPr lang="en-US" dirty="0"/>
-              <a:t>	Gives access to slides,</a:t>
-            </a:r>
-          </a:p>
-          <a:p>
-            <a:r>
-              <a:rPr lang="en-US" dirty="0"/>
-              <a:t>	Ability to modify</a:t>
-            </a:r>
-          </a:p>
-          <a:p>
-            <a:endParaRPr lang="en-US" dirty="0"/>
-          </a:p>
-        </p:txBody>
-      </p:sp>
-      <p:sp>
-        <p:nvSpPr>
-          <p:cNvPr id="6" name="Oval 5">
-            <a:extLst>
-              <a:ext uri="{FF2B5EF4-FFF2-40B4-BE49-F238E27FC236}">
-                <a16:creationId xmlns:a16="http://schemas.microsoft.com/office/drawing/2014/main" id="{688E5692-70AC-4FA4-A880-74B8153F055A}"/>
+              <a:t>Run</a:t>
+            </a:r>
+          </a:p>
+        </p:txBody>
+      </p:sp>
+      <p:sp>
+        <p:nvSpPr>
+          <p:cNvPr id="7" name="Oval 6">
+            <a:extLst>
+              <a:ext uri="{FF2B5EF4-FFF2-40B4-BE49-F238E27FC236}">
+                <a16:creationId xmlns:a16="http://schemas.microsoft.com/office/drawing/2014/main" id="{92D2DA6B-16F7-47D6-B05C-0993946441CD}"/>
               </a:ext>
             </a:extLst>
           </p:cNvPr>
@@ -4572,8 +4365,8 @@
         </p:nvSpPr>
         <p:spPr>
           <a:xfrm>
-            <a:off x="428625" y="209550"/>
-            <a:ext cx="3752850" cy="1829753"/>
+            <a:off x="881062" y="4403424"/>
+            <a:ext cx="6117996" cy="2018926"/>
           </a:xfrm>
           <a:prstGeom prst="ellipse">
             <a:avLst/>
@@ -4600,74 +4393,304 @@
           <a:bodyPr rtlCol="0" anchor="ctr"/>
           <a:lstStyle/>
           <a:p>
-            <a:pPr algn="ctr"/>
-            <a:endParaRPr lang="en-US"/>
-          </a:p>
-        </p:txBody>
-      </p:sp>
-      <p:sp>
-        <p:nvSpPr>
-          <p:cNvPr id="7" name="TextBox 6">
-            <a:extLst>
-              <a:ext uri="{FF2B5EF4-FFF2-40B4-BE49-F238E27FC236}">
-                <a16:creationId xmlns:a16="http://schemas.microsoft.com/office/drawing/2014/main" id="{56248457-2659-4E1B-A528-90B6785C40B6}"/>
-              </a:ext>
-            </a:extLst>
-          </p:cNvPr>
-          <p:cNvSpPr txBox="1"/>
-          <p:nvPr/>
-        </p:nvSpPr>
-        <p:spPr>
-          <a:xfrm>
-            <a:off x="5410199" y="2962275"/>
-            <a:ext cx="3638549" cy="1477328"/>
-          </a:xfrm>
-          <a:prstGeom prst="rect">
-            <a:avLst/>
-          </a:prstGeom>
-          <a:noFill/>
-        </p:spPr>
-        <p:txBody>
-          <a:bodyPr wrap="square" rtlCol="0">
-            <a:spAutoFit/>
-          </a:bodyPr>
-          <a:lstStyle/>
-          <a:p>
-            <a:r>
-              <a:rPr lang="en-US" dirty="0" err="1"/>
-              <a:t>CSlide</a:t>
-            </a:r>
-            <a:endParaRPr lang="en-US" dirty="0"/>
+            <a:r>
+              <a:rPr lang="en-US" dirty="0" err="1">
+                <a:solidFill>
+                  <a:srgbClr val="000000"/>
+                </a:solidFill>
+                <a:latin typeface="Roboto"/>
+              </a:rPr>
+              <a:t>CAction</a:t>
+            </a:r>
+            <a:endParaRPr lang="en-US" dirty="0">
+              <a:solidFill>
+                <a:srgbClr val="000000"/>
+              </a:solidFill>
+              <a:latin typeface="Roboto"/>
+            </a:endParaRPr>
           </a:p>
           <a:p>
             <a:r>
               <a:rPr lang="en-US" dirty="0"/>
-              <a:t>	(Objects container)</a:t>
-            </a:r>
-          </a:p>
-          <a:p>
-            <a:r>
-              <a:rPr lang="en-US" dirty="0"/>
-              <a:t>	Gives access to objects,</a:t>
-            </a:r>
-          </a:p>
-          <a:p>
-            <a:r>
-              <a:rPr lang="en-US" dirty="0"/>
-              <a:t>	Ability to modify</a:t>
-            </a:r>
-          </a:p>
-          <a:p>
-            <a:endParaRPr lang="en-US" dirty="0"/>
-          </a:p>
-        </p:txBody>
-      </p:sp>
-      <p:sp>
-        <p:nvSpPr>
-          <p:cNvPr id="8" name="Oval 7">
-            <a:extLst>
-              <a:ext uri="{FF2B5EF4-FFF2-40B4-BE49-F238E27FC236}">
-                <a16:creationId xmlns:a16="http://schemas.microsoft.com/office/drawing/2014/main" id="{639628CD-47CE-4035-B128-5FC2AAFF82CF}"/>
+              <a:t>	</a:t>
+            </a:r>
+            <a:r>
+              <a:rPr lang="en-US" dirty="0">
+                <a:solidFill>
+                  <a:srgbClr val="000000"/>
+                </a:solidFill>
+                <a:latin typeface="Roboto"/>
+              </a:rPr>
+              <a:t>(Make change in slideshow)</a:t>
+            </a:r>
+          </a:p>
+          <a:p>
+            <a:r>
+              <a:rPr lang="en-US" dirty="0">
+                <a:solidFill>
+                  <a:srgbClr val="000000"/>
+                </a:solidFill>
+                <a:latin typeface="Roboto"/>
+              </a:rPr>
+              <a:t>	</a:t>
+            </a:r>
+            <a:r>
+              <a:rPr lang="en-US" dirty="0">
+                <a:solidFill>
+                  <a:srgbClr val="FF0000"/>
+                </a:solidFill>
+                <a:latin typeface="Roboto"/>
+              </a:rPr>
+              <a:t>this don’t know about user 	input’s content</a:t>
+            </a:r>
+            <a:endParaRPr lang="en-US" dirty="0">
+              <a:solidFill>
+                <a:srgbClr val="FF0000"/>
+              </a:solidFill>
+            </a:endParaRPr>
+          </a:p>
+        </p:txBody>
+      </p:sp>
+      <p:graphicFrame>
+        <p:nvGraphicFramePr>
+          <p:cNvPr id="8" name="Table 8">
+            <a:extLst>
+              <a:ext uri="{FF2B5EF4-FFF2-40B4-BE49-F238E27FC236}">
+                <a16:creationId xmlns:a16="http://schemas.microsoft.com/office/drawing/2014/main" id="{EDC9DC3D-3481-4062-B4CD-AC2018DB227F}"/>
+              </a:ext>
+            </a:extLst>
+          </p:cNvPr>
+          <p:cNvGraphicFramePr>
+            <a:graphicFrameLocks noGrp="1"/>
+          </p:cNvGraphicFramePr>
+          <p:nvPr>
+            <p:extLst>
+              <p:ext uri="{D42A27DB-BD31-4B8C-83A1-F6EECF244321}">
+                <p14:modId xmlns:p14="http://schemas.microsoft.com/office/powerpoint/2010/main" val="3772691632"/>
+              </p:ext>
+            </p:extLst>
+          </p:nvPr>
+        </p:nvGraphicFramePr>
+        <p:xfrm>
+          <a:off x="6278251" y="1621962"/>
+          <a:ext cx="4637988" cy="2127295"/>
+        </p:xfrm>
+        <a:graphic>
+          <a:graphicData uri="http://schemas.openxmlformats.org/drawingml/2006/table">
+            <a:tbl>
+              <a:tblPr firstRow="1" bandRow="1">
+                <a:tableStyleId>{5C22544A-7EE6-4342-B048-85BDC9FD1C3A}</a:tableStyleId>
+              </a:tblPr>
+              <a:tblGrid>
+                <a:gridCol w="2318994">
+                  <a:extLst>
+                    <a:ext uri="{9D8B030D-6E8A-4147-A177-3AD203B41FA5}">
+                      <a16:colId xmlns:a16="http://schemas.microsoft.com/office/drawing/2014/main" val="4207302290"/>
+                    </a:ext>
+                  </a:extLst>
+                </a:gridCol>
+                <a:gridCol w="2318994">
+                  <a:extLst>
+                    <a:ext uri="{9D8B030D-6E8A-4147-A177-3AD203B41FA5}">
+                      <a16:colId xmlns:a16="http://schemas.microsoft.com/office/drawing/2014/main" val="4048285080"/>
+                    </a:ext>
+                  </a:extLst>
+                </a:gridCol>
+              </a:tblGrid>
+              <a:tr h="664255">
+                <a:tc>
+                  <a:txBody>
+                    <a:bodyPr/>
+                    <a:lstStyle/>
+                    <a:p>
+                      <a:pPr algn="ctr"/>
+                      <a:r>
+                        <a:rPr lang="en-US" dirty="0"/>
+                        <a:t>Create action</a:t>
+                      </a:r>
+                    </a:p>
+                  </a:txBody>
+                  <a:tcPr/>
+                </a:tc>
+                <a:tc>
+                  <a:txBody>
+                    <a:bodyPr/>
+                    <a:lstStyle/>
+                    <a:p>
+                      <a:pPr algn="ctr"/>
+                      <a:r>
+                        <a:rPr lang="en-US" dirty="0"/>
+                        <a:t>Other</a:t>
+                      </a:r>
+                    </a:p>
+                  </a:txBody>
+                  <a:tcPr/>
+                </a:tc>
+                <a:extLst>
+                  <a:ext uri="{0D108BD9-81ED-4DB2-BD59-A6C34878D82A}">
+                    <a16:rowId xmlns:a16="http://schemas.microsoft.com/office/drawing/2014/main" val="355288908"/>
+                  </a:ext>
+                </a:extLst>
+              </a:tr>
+              <a:tr h="335192">
+                <a:tc>
+                  <a:txBody>
+                    <a:bodyPr/>
+                    <a:lstStyle/>
+                    <a:p>
+                      <a:r>
+                        <a:rPr lang="en-US" dirty="0"/>
+                        <a:t>draw</a:t>
+                      </a:r>
+                    </a:p>
+                  </a:txBody>
+                  <a:tcPr/>
+                </a:tc>
+                <a:tc>
+                  <a:txBody>
+                    <a:bodyPr/>
+                    <a:lstStyle/>
+                    <a:p>
+                      <a:r>
+                        <a:rPr lang="en-US" dirty="0"/>
+                        <a:t>set tool</a:t>
+                      </a:r>
+                    </a:p>
+                  </a:txBody>
+                  <a:tcPr/>
+                </a:tc>
+                <a:extLst>
+                  <a:ext uri="{0D108BD9-81ED-4DB2-BD59-A6C34878D82A}">
+                    <a16:rowId xmlns:a16="http://schemas.microsoft.com/office/drawing/2014/main" val="1709558864"/>
+                  </a:ext>
+                </a:extLst>
+              </a:tr>
+              <a:tr h="335192">
+                <a:tc>
+                  <a:txBody>
+                    <a:bodyPr/>
+                    <a:lstStyle/>
+                    <a:p>
+                      <a:r>
+                        <a:rPr lang="en-US" dirty="0"/>
+                        <a:t>add</a:t>
+                      </a:r>
+                    </a:p>
+                  </a:txBody>
+                  <a:tcPr/>
+                </a:tc>
+                <a:tc>
+                  <a:txBody>
+                    <a:bodyPr/>
+                    <a:lstStyle/>
+                    <a:p>
+                      <a:r>
+                        <a:rPr lang="en-US" dirty="0"/>
+                        <a:t>set color</a:t>
+                      </a:r>
+                    </a:p>
+                  </a:txBody>
+                  <a:tcPr/>
+                </a:tc>
+                <a:extLst>
+                  <a:ext uri="{0D108BD9-81ED-4DB2-BD59-A6C34878D82A}">
+                    <a16:rowId xmlns:a16="http://schemas.microsoft.com/office/drawing/2014/main" val="2285325284"/>
+                  </a:ext>
+                </a:extLst>
+              </a:tr>
+              <a:tr h="335192">
+                <a:tc>
+                  <a:txBody>
+                    <a:bodyPr/>
+                    <a:lstStyle/>
+                    <a:p>
+                      <a:r>
+                        <a:rPr lang="en-US" dirty="0"/>
+                        <a:t>move</a:t>
+                      </a:r>
+                    </a:p>
+                  </a:txBody>
+                  <a:tcPr/>
+                </a:tc>
+                <a:tc>
+                  <a:txBody>
+                    <a:bodyPr/>
+                    <a:lstStyle/>
+                    <a:p>
+                      <a:r>
+                        <a:rPr lang="en-US" dirty="0"/>
+                        <a:t>. . .</a:t>
+                      </a:r>
+                    </a:p>
+                  </a:txBody>
+                  <a:tcPr/>
+                </a:tc>
+                <a:extLst>
+                  <a:ext uri="{0D108BD9-81ED-4DB2-BD59-A6C34878D82A}">
+                    <a16:rowId xmlns:a16="http://schemas.microsoft.com/office/drawing/2014/main" val="2454315275"/>
+                  </a:ext>
+                </a:extLst>
+              </a:tr>
+              <a:tr h="335192">
+                <a:tc>
+                  <a:txBody>
+                    <a:bodyPr/>
+                    <a:lstStyle/>
+                    <a:p>
+                      <a:r>
+                        <a:rPr lang="en-US" dirty="0"/>
+                        <a:t>. . .</a:t>
+                      </a:r>
+                    </a:p>
+                  </a:txBody>
+                  <a:tcPr/>
+                </a:tc>
+                <a:tc>
+                  <a:txBody>
+                    <a:bodyPr/>
+                    <a:lstStyle/>
+                    <a:p>
+                      <a:pPr marL="0" marR="0" lvl="0" indent="0" algn="l" defTabSz="914400" rtl="0" eaLnBrk="1" fontAlgn="auto" latinLnBrk="0" hangingPunct="1">
+                        <a:lnSpc>
+                          <a:spcPct val="100000"/>
+                        </a:lnSpc>
+                        <a:spcBef>
+                          <a:spcPts val="0"/>
+                        </a:spcBef>
+                        <a:spcAft>
+                          <a:spcPts val="0"/>
+                        </a:spcAft>
+                        <a:buClrTx/>
+                        <a:buSzTx/>
+                        <a:buFontTx/>
+                        <a:buNone/>
+                        <a:tabLst/>
+                        <a:defRPr/>
+                      </a:pPr>
+                      <a:r>
+                        <a:rPr lang="en-US" dirty="0"/>
+                        <a:t>give any info </a:t>
+                      </a:r>
+                    </a:p>
+                  </a:txBody>
+                  <a:tcPr/>
+                </a:tc>
+                <a:extLst>
+                  <a:ext uri="{0D108BD9-81ED-4DB2-BD59-A6C34878D82A}">
+                    <a16:rowId xmlns:a16="http://schemas.microsoft.com/office/drawing/2014/main" val="3508800027"/>
+                  </a:ext>
+                </a:extLst>
+              </a:tr>
+            </a:tbl>
+          </a:graphicData>
+        </a:graphic>
+      </p:graphicFrame>
+      <p:sp>
+        <p:nvSpPr>
+          <p:cNvPr id="10" name="Oval 9">
+            <a:extLst>
+              <a:ext uri="{FF2B5EF4-FFF2-40B4-BE49-F238E27FC236}">
+                <a16:creationId xmlns:a16="http://schemas.microsoft.com/office/drawing/2014/main" id="{FAA9EBEF-60C5-4141-A392-EA968101C06E}"/>
               </a:ext>
             </a:extLst>
           </p:cNvPr>
@@ -4676,8 +4699,8 @@
         </p:nvSpPr>
         <p:spPr>
           <a:xfrm>
-            <a:off x="5038725" y="2638425"/>
-            <a:ext cx="3752850" cy="1829753"/>
+            <a:off x="5552388" y="416797"/>
+            <a:ext cx="6117996" cy="4572000"/>
           </a:xfrm>
           <a:prstGeom prst="ellipse">
             <a:avLst/>
@@ -4705,606 +4728,75 @@
           <a:lstStyle/>
           <a:p>
             <a:pPr algn="ctr"/>
-            <a:endParaRPr lang="en-US"/>
-          </a:p>
-        </p:txBody>
-      </p:sp>
-      <p:cxnSp>
-        <p:nvCxnSpPr>
-          <p:cNvPr id="10" name="Straight Arrow Connector 9">
-            <a:extLst>
-              <a:ext uri="{FF2B5EF4-FFF2-40B4-BE49-F238E27FC236}">
-                <a16:creationId xmlns:a16="http://schemas.microsoft.com/office/drawing/2014/main" id="{A864DBF3-B9EF-4596-AC85-BE5FBC2D53F0}"/>
-              </a:ext>
-            </a:extLst>
-          </p:cNvPr>
-          <p:cNvCxnSpPr>
-            <a:stCxn id="7" idx="1"/>
-          </p:cNvCxnSpPr>
+            <a:endParaRPr lang="en-US" dirty="0"/>
+          </a:p>
+        </p:txBody>
+      </p:sp>
+      <p:sp>
+        <p:nvSpPr>
+          <p:cNvPr id="11" name="Oval 10">
+            <a:extLst>
+              <a:ext uri="{FF2B5EF4-FFF2-40B4-BE49-F238E27FC236}">
+                <a16:creationId xmlns:a16="http://schemas.microsoft.com/office/drawing/2014/main" id="{63FA48DA-168D-406D-93DA-E8B6FB3C9B5C}"/>
+              </a:ext>
+            </a:extLst>
+          </p:cNvPr>
+          <p:cNvSpPr/>
           <p:nvPr/>
-        </p:nvCxnSpPr>
-        <p:spPr>
-          <a:xfrm flipH="1" flipV="1">
-            <a:off x="1476375" y="1743075"/>
-            <a:ext cx="3933824" cy="1957864"/>
-          </a:xfrm>
-          <a:prstGeom prst="straightConnector1">
+        </p:nvSpPr>
+        <p:spPr>
+          <a:xfrm>
+            <a:off x="152646" y="391185"/>
+            <a:ext cx="4940722" cy="2018926"/>
+          </a:xfrm>
+          <a:prstGeom prst="ellipse">
             <a:avLst/>
           </a:prstGeom>
-          <a:ln>
-            <a:tailEnd type="triangle"/>
-          </a:ln>
         </p:spPr>
         <p:style>
-          <a:lnRef idx="1">
+          <a:lnRef idx="2">
             <a:schemeClr val="accent1"/>
           </a:lnRef>
-          <a:fillRef idx="0">
-            <a:schemeClr val="accent1"/>
+          <a:fillRef idx="1">
+            <a:schemeClr val="lt1"/>
           </a:fillRef>
           <a:effectRef idx="0">
             <a:schemeClr val="accent1"/>
           </a:effectRef>
           <a:fontRef idx="minor">
-            <a:schemeClr val="tx1"/>
+            <a:schemeClr val="dk1"/>
           </a:fontRef>
         </p:style>
-      </p:cxnSp>
-      <p:sp>
-        <p:nvSpPr>
-          <p:cNvPr id="11" name="TextBox 10">
-            <a:extLst>
-              <a:ext uri="{FF2B5EF4-FFF2-40B4-BE49-F238E27FC236}">
-                <a16:creationId xmlns:a16="http://schemas.microsoft.com/office/drawing/2014/main" id="{613471D3-1EF0-41D7-91AF-5EB4CB4D6626}"/>
-              </a:ext>
-            </a:extLst>
-          </p:cNvPr>
-          <p:cNvSpPr txBox="1"/>
-          <p:nvPr/>
-        </p:nvSpPr>
-        <p:spPr>
-          <a:xfrm>
-            <a:off x="1914525" y="4882039"/>
-            <a:ext cx="2543175" cy="369332"/>
-          </a:xfrm>
-          <a:prstGeom prst="rect">
-            <a:avLst/>
-          </a:prstGeom>
-          <a:noFill/>
-        </p:spPr>
-        <p:txBody>
-          <a:bodyPr wrap="square" rtlCol="0">
-            <a:spAutoFit/>
-          </a:bodyPr>
+        <p:txBody>
+          <a:bodyPr rtlCol="0" anchor="ctr"/>
           <a:lstStyle/>
           <a:p>
             <a:r>
               <a:rPr lang="en-US" dirty="0" err="1"/>
-              <a:t>IObject</a:t>
+              <a:t>CEditor</a:t>
             </a:r>
             <a:endParaRPr lang="en-US" dirty="0"/>
           </a:p>
-        </p:txBody>
-      </p:sp>
-      <p:sp>
-        <p:nvSpPr>
-          <p:cNvPr id="12" name="TextBox 11">
-            <a:extLst>
-              <a:ext uri="{FF2B5EF4-FFF2-40B4-BE49-F238E27FC236}">
-                <a16:creationId xmlns:a16="http://schemas.microsoft.com/office/drawing/2014/main" id="{AE0D01A8-5CB3-4C0C-9BEE-4D12376ACB93}"/>
-              </a:ext>
-            </a:extLst>
-          </p:cNvPr>
-          <p:cNvSpPr txBox="1"/>
-          <p:nvPr/>
-        </p:nvSpPr>
-        <p:spPr>
-          <a:xfrm>
-            <a:off x="527450" y="5389394"/>
-            <a:ext cx="1273968" cy="369332"/>
-          </a:xfrm>
-          <a:prstGeom prst="rect">
-            <a:avLst/>
-          </a:prstGeom>
-          <a:noFill/>
-        </p:spPr>
-        <p:txBody>
-          <a:bodyPr wrap="square" rtlCol="0">
-            <a:spAutoFit/>
-          </a:bodyPr>
-          <a:lstStyle/>
-          <a:p>
+          <a:p>
+            <a:r>
+              <a:rPr lang="en-US" dirty="0"/>
+              <a:t>	have all necessary 	things to create 	action(slideshow, pointer to </a:t>
+            </a:r>
             <a:r>
               <a:rPr lang="en-US" dirty="0" err="1"/>
-              <a:t>CRectangle</a:t>
-            </a:r>
-            <a:endParaRPr lang="en-US" dirty="0"/>
-          </a:p>
-        </p:txBody>
-      </p:sp>
-      <p:sp>
-        <p:nvSpPr>
-          <p:cNvPr id="13" name="TextBox 12">
-            <a:extLst>
-              <a:ext uri="{FF2B5EF4-FFF2-40B4-BE49-F238E27FC236}">
-                <a16:creationId xmlns:a16="http://schemas.microsoft.com/office/drawing/2014/main" id="{94134CD1-1670-4379-8FF9-0795B970D61B}"/>
-              </a:ext>
-            </a:extLst>
-          </p:cNvPr>
-          <p:cNvSpPr txBox="1"/>
-          <p:nvPr/>
-        </p:nvSpPr>
-        <p:spPr>
-          <a:xfrm>
-            <a:off x="1096566" y="5788968"/>
-            <a:ext cx="1141809" cy="369332"/>
-          </a:xfrm>
-          <a:prstGeom prst="rect">
-            <a:avLst/>
-          </a:prstGeom>
-          <a:noFill/>
-        </p:spPr>
-        <p:txBody>
-          <a:bodyPr wrap="square" rtlCol="0">
-            <a:spAutoFit/>
-          </a:bodyPr>
-          <a:lstStyle/>
-          <a:p>
-            <a:r>
-              <a:rPr lang="en-US" dirty="0" err="1"/>
-              <a:t>CTriangle</a:t>
-            </a:r>
-            <a:endParaRPr lang="en-US" dirty="0"/>
-          </a:p>
-        </p:txBody>
-      </p:sp>
-      <p:sp>
-        <p:nvSpPr>
-          <p:cNvPr id="14" name="TextBox 13">
-            <a:extLst>
-              <a:ext uri="{FF2B5EF4-FFF2-40B4-BE49-F238E27FC236}">
-                <a16:creationId xmlns:a16="http://schemas.microsoft.com/office/drawing/2014/main" id="{BA1249E8-1EFF-4BAD-BA0C-EEAB992FF2FB}"/>
-              </a:ext>
-            </a:extLst>
-          </p:cNvPr>
-          <p:cNvSpPr txBox="1"/>
-          <p:nvPr/>
-        </p:nvSpPr>
-        <p:spPr>
-          <a:xfrm>
-            <a:off x="2009776" y="6003876"/>
-            <a:ext cx="857250" cy="369332"/>
-          </a:xfrm>
-          <a:prstGeom prst="rect">
-            <a:avLst/>
-          </a:prstGeom>
-          <a:noFill/>
-        </p:spPr>
-        <p:txBody>
-          <a:bodyPr wrap="square" rtlCol="0">
-            <a:spAutoFit/>
-          </a:bodyPr>
-          <a:lstStyle/>
-          <a:p>
-            <a:r>
-              <a:rPr lang="en-US" dirty="0" err="1"/>
-              <a:t>CCircle</a:t>
-            </a:r>
-            <a:endParaRPr lang="en-US" dirty="0"/>
-          </a:p>
-        </p:txBody>
-      </p:sp>
-      <p:sp>
-        <p:nvSpPr>
-          <p:cNvPr id="15" name="TextBox 14">
-            <a:extLst>
-              <a:ext uri="{FF2B5EF4-FFF2-40B4-BE49-F238E27FC236}">
-                <a16:creationId xmlns:a16="http://schemas.microsoft.com/office/drawing/2014/main" id="{0CFD799D-4BB6-4277-BAA1-DD8E67FFD351}"/>
-              </a:ext>
-            </a:extLst>
-          </p:cNvPr>
-          <p:cNvSpPr txBox="1"/>
-          <p:nvPr/>
-        </p:nvSpPr>
-        <p:spPr>
-          <a:xfrm>
-            <a:off x="2771774" y="5741402"/>
-            <a:ext cx="854869" cy="369332"/>
-          </a:xfrm>
-          <a:prstGeom prst="rect">
-            <a:avLst/>
-          </a:prstGeom>
-          <a:noFill/>
-        </p:spPr>
-        <p:txBody>
-          <a:bodyPr wrap="square" rtlCol="0">
-            <a:spAutoFit/>
-          </a:bodyPr>
-          <a:lstStyle/>
-          <a:p>
-            <a:r>
-              <a:rPr lang="en-US" dirty="0" err="1"/>
-              <a:t>CLine</a:t>
-            </a:r>
-            <a:endParaRPr lang="en-US" dirty="0"/>
-          </a:p>
-        </p:txBody>
-      </p:sp>
-      <p:sp>
-        <p:nvSpPr>
-          <p:cNvPr id="16" name="TextBox 15">
-            <a:extLst>
-              <a:ext uri="{FF2B5EF4-FFF2-40B4-BE49-F238E27FC236}">
-                <a16:creationId xmlns:a16="http://schemas.microsoft.com/office/drawing/2014/main" id="{AB5DA566-09DD-4208-8246-E9DF4BFA07F6}"/>
-              </a:ext>
-            </a:extLst>
-          </p:cNvPr>
-          <p:cNvSpPr txBox="1"/>
-          <p:nvPr/>
-        </p:nvSpPr>
-        <p:spPr>
-          <a:xfrm>
-            <a:off x="3626644" y="5465207"/>
-            <a:ext cx="1123950" cy="369332"/>
-          </a:xfrm>
-          <a:prstGeom prst="rect">
-            <a:avLst/>
-          </a:prstGeom>
-          <a:noFill/>
-        </p:spPr>
-        <p:txBody>
-          <a:bodyPr wrap="square" rtlCol="0">
-            <a:spAutoFit/>
-          </a:bodyPr>
-          <a:lstStyle/>
-          <a:p>
-            <a:r>
-              <a:rPr lang="en-US" dirty="0" err="1"/>
-              <a:t>CTextbox</a:t>
-            </a:r>
-            <a:endParaRPr lang="en-US" dirty="0"/>
-          </a:p>
-        </p:txBody>
-      </p:sp>
-      <p:cxnSp>
-        <p:nvCxnSpPr>
-          <p:cNvPr id="18" name="Straight Connector 17">
-            <a:extLst>
-              <a:ext uri="{FF2B5EF4-FFF2-40B4-BE49-F238E27FC236}">
-                <a16:creationId xmlns:a16="http://schemas.microsoft.com/office/drawing/2014/main" id="{A947BF62-D9C4-416A-ADFB-AEAF9B2B89EC}"/>
-              </a:ext>
-            </a:extLst>
-          </p:cNvPr>
-          <p:cNvCxnSpPr>
-            <a:cxnSpLocks/>
-            <a:stCxn id="11" idx="1"/>
-            <a:endCxn id="12" idx="0"/>
-          </p:cNvCxnSpPr>
-          <p:nvPr/>
-        </p:nvCxnSpPr>
-        <p:spPr>
-          <a:xfrm flipH="1">
-            <a:off x="1164434" y="5066705"/>
-            <a:ext cx="750091" cy="322689"/>
-          </a:xfrm>
-          <a:prstGeom prst="line">
-            <a:avLst/>
-          </a:prstGeom>
-        </p:spPr>
-        <p:style>
-          <a:lnRef idx="1">
-            <a:schemeClr val="accent1"/>
-          </a:lnRef>
-          <a:fillRef idx="0">
-            <a:schemeClr val="accent1"/>
-          </a:fillRef>
-          <a:effectRef idx="0">
-            <a:schemeClr val="accent1"/>
-          </a:effectRef>
-          <a:fontRef idx="minor">
-            <a:schemeClr val="tx1"/>
-          </a:fontRef>
-        </p:style>
-      </p:cxnSp>
-      <p:cxnSp>
-        <p:nvCxnSpPr>
-          <p:cNvPr id="20" name="Straight Connector 19">
-            <a:extLst>
-              <a:ext uri="{FF2B5EF4-FFF2-40B4-BE49-F238E27FC236}">
-                <a16:creationId xmlns:a16="http://schemas.microsoft.com/office/drawing/2014/main" id="{6889CF9F-739A-47FD-8D39-650502C8E6AB}"/>
-              </a:ext>
-            </a:extLst>
-          </p:cNvPr>
-          <p:cNvCxnSpPr>
-            <a:cxnSpLocks/>
-            <a:endCxn id="13" idx="0"/>
-          </p:cNvCxnSpPr>
-          <p:nvPr/>
-        </p:nvCxnSpPr>
-        <p:spPr>
-          <a:xfrm flipH="1">
-            <a:off x="1667471" y="5233169"/>
-            <a:ext cx="450652" cy="555799"/>
-          </a:xfrm>
-          <a:prstGeom prst="line">
-            <a:avLst/>
-          </a:prstGeom>
-        </p:spPr>
-        <p:style>
-          <a:lnRef idx="1">
-            <a:schemeClr val="accent1"/>
-          </a:lnRef>
-          <a:fillRef idx="0">
-            <a:schemeClr val="accent1"/>
-          </a:fillRef>
-          <a:effectRef idx="0">
-            <a:schemeClr val="accent1"/>
-          </a:effectRef>
-          <a:fontRef idx="minor">
-            <a:schemeClr val="tx1"/>
-          </a:fontRef>
-        </p:style>
-      </p:cxnSp>
-      <p:cxnSp>
-        <p:nvCxnSpPr>
-          <p:cNvPr id="22" name="Straight Connector 21">
-            <a:extLst>
-              <a:ext uri="{FF2B5EF4-FFF2-40B4-BE49-F238E27FC236}">
-                <a16:creationId xmlns:a16="http://schemas.microsoft.com/office/drawing/2014/main" id="{95D39CFC-2626-4623-9562-261C72776B9F}"/>
-              </a:ext>
-            </a:extLst>
-          </p:cNvPr>
-          <p:cNvCxnSpPr>
-            <a:cxnSpLocks/>
-            <a:endCxn id="14" idx="0"/>
-          </p:cNvCxnSpPr>
-          <p:nvPr/>
-        </p:nvCxnSpPr>
-        <p:spPr>
-          <a:xfrm>
-            <a:off x="2336006" y="5233169"/>
-            <a:ext cx="102395" cy="770707"/>
-          </a:xfrm>
-          <a:prstGeom prst="line">
-            <a:avLst/>
-          </a:prstGeom>
-        </p:spPr>
-        <p:style>
-          <a:lnRef idx="1">
-            <a:schemeClr val="accent1"/>
-          </a:lnRef>
-          <a:fillRef idx="0">
-            <a:schemeClr val="accent1"/>
-          </a:fillRef>
-          <a:effectRef idx="0">
-            <a:schemeClr val="accent1"/>
-          </a:effectRef>
-          <a:fontRef idx="minor">
-            <a:schemeClr val="tx1"/>
-          </a:fontRef>
-        </p:style>
-      </p:cxnSp>
-      <p:cxnSp>
-        <p:nvCxnSpPr>
-          <p:cNvPr id="24" name="Straight Connector 23">
-            <a:extLst>
-              <a:ext uri="{FF2B5EF4-FFF2-40B4-BE49-F238E27FC236}">
-                <a16:creationId xmlns:a16="http://schemas.microsoft.com/office/drawing/2014/main" id="{BE9FD6C7-D2F8-4961-A24B-1BBD81E0F471}"/>
-              </a:ext>
-            </a:extLst>
-          </p:cNvPr>
-          <p:cNvCxnSpPr>
-            <a:cxnSpLocks/>
-            <a:endCxn id="15" idx="0"/>
-          </p:cNvCxnSpPr>
-          <p:nvPr/>
-        </p:nvCxnSpPr>
-        <p:spPr>
-          <a:xfrm>
-            <a:off x="2502694" y="5218584"/>
-            <a:ext cx="696515" cy="522818"/>
-          </a:xfrm>
-          <a:prstGeom prst="line">
-            <a:avLst/>
-          </a:prstGeom>
-        </p:spPr>
-        <p:style>
-          <a:lnRef idx="1">
-            <a:schemeClr val="accent1"/>
-          </a:lnRef>
-          <a:fillRef idx="0">
-            <a:schemeClr val="accent1"/>
-          </a:fillRef>
-          <a:effectRef idx="0">
-            <a:schemeClr val="accent1"/>
-          </a:effectRef>
-          <a:fontRef idx="minor">
-            <a:schemeClr val="tx1"/>
-          </a:fontRef>
-        </p:style>
-      </p:cxnSp>
-      <p:cxnSp>
-        <p:nvCxnSpPr>
-          <p:cNvPr id="26" name="Straight Connector 25">
-            <a:extLst>
-              <a:ext uri="{FF2B5EF4-FFF2-40B4-BE49-F238E27FC236}">
-                <a16:creationId xmlns:a16="http://schemas.microsoft.com/office/drawing/2014/main" id="{AD18B038-23C2-417D-96EA-656018B343A8}"/>
-              </a:ext>
-            </a:extLst>
-          </p:cNvPr>
-          <p:cNvCxnSpPr>
-            <a:cxnSpLocks/>
-            <a:endCxn id="16" idx="0"/>
-          </p:cNvCxnSpPr>
-          <p:nvPr/>
-        </p:nvCxnSpPr>
-        <p:spPr>
-          <a:xfrm>
-            <a:off x="2727722" y="5057627"/>
-            <a:ext cx="1460897" cy="407580"/>
-          </a:xfrm>
-          <a:prstGeom prst="line">
-            <a:avLst/>
-          </a:prstGeom>
-        </p:spPr>
-        <p:style>
-          <a:lnRef idx="1">
-            <a:schemeClr val="accent1"/>
-          </a:lnRef>
-          <a:fillRef idx="0">
-            <a:schemeClr val="accent1"/>
-          </a:fillRef>
-          <a:effectRef idx="0">
-            <a:schemeClr val="accent1"/>
-          </a:effectRef>
-          <a:fontRef idx="minor">
-            <a:schemeClr val="tx1"/>
-          </a:fontRef>
-        </p:style>
-      </p:cxnSp>
-      <p:cxnSp>
-        <p:nvCxnSpPr>
-          <p:cNvPr id="53" name="Straight Arrow Connector 52">
-            <a:extLst>
-              <a:ext uri="{FF2B5EF4-FFF2-40B4-BE49-F238E27FC236}">
-                <a16:creationId xmlns:a16="http://schemas.microsoft.com/office/drawing/2014/main" id="{7DF80341-1349-4768-B6DF-D51BF1339833}"/>
-              </a:ext>
-            </a:extLst>
-          </p:cNvPr>
-          <p:cNvCxnSpPr/>
-          <p:nvPr/>
-        </p:nvCxnSpPr>
-        <p:spPr>
-          <a:xfrm flipV="1">
-            <a:off x="2387203" y="4200525"/>
-            <a:ext cx="3708797" cy="681514"/>
-          </a:xfrm>
-          <a:prstGeom prst="straightConnector1">
-            <a:avLst/>
-          </a:prstGeom>
-          <a:ln>
-            <a:tailEnd type="triangle"/>
-          </a:ln>
-        </p:spPr>
-        <p:style>
-          <a:lnRef idx="1">
-            <a:schemeClr val="accent1"/>
-          </a:lnRef>
-          <a:fillRef idx="0">
-            <a:schemeClr val="accent1"/>
-          </a:fillRef>
-          <a:effectRef idx="0">
-            <a:schemeClr val="accent1"/>
-          </a:effectRef>
-          <a:fontRef idx="minor">
-            <a:schemeClr val="tx1"/>
-          </a:fontRef>
-        </p:style>
-      </p:cxnSp>
-      <p:sp>
-        <p:nvSpPr>
-          <p:cNvPr id="54" name="TextBox 53">
-            <a:extLst>
-              <a:ext uri="{FF2B5EF4-FFF2-40B4-BE49-F238E27FC236}">
-                <a16:creationId xmlns:a16="http://schemas.microsoft.com/office/drawing/2014/main" id="{4104B0AC-0A9D-4374-A9A2-1967BE7BEAAD}"/>
-              </a:ext>
-            </a:extLst>
-          </p:cNvPr>
-          <p:cNvSpPr txBox="1"/>
-          <p:nvPr/>
-        </p:nvSpPr>
-        <p:spPr>
-          <a:xfrm>
-            <a:off x="7983977" y="662761"/>
-            <a:ext cx="3973832" cy="923330"/>
-          </a:xfrm>
-          <a:prstGeom prst="rect">
-            <a:avLst/>
-          </a:prstGeom>
-          <a:noFill/>
-        </p:spPr>
-        <p:txBody>
-          <a:bodyPr wrap="square" rtlCol="0">
-            <a:spAutoFit/>
-          </a:bodyPr>
-          <a:lstStyle/>
-          <a:p>
-            <a:r>
-              <a:rPr lang="en-US" dirty="0" err="1"/>
-              <a:t>CActionStack</a:t>
-            </a:r>
-            <a:endParaRPr lang="en-US" dirty="0"/>
-          </a:p>
-          <a:p>
+              <a:t>actionsStack</a:t>
+            </a:r>
             <a:r>
               <a:rPr lang="en-US" dirty="0"/>
-              <a:t>	(keeps all executed </a:t>
-            </a:r>
-            <a:r>
-              <a:rPr lang="en-US" dirty="0" err="1"/>
-              <a:t>CActions</a:t>
-            </a:r>
-            <a:endParaRPr lang="en-US" dirty="0"/>
-          </a:p>
-          <a:p>
-            <a:r>
-              <a:rPr lang="en-US" dirty="0"/>
-              <a:t>	 in stack)</a:t>
-            </a:r>
-          </a:p>
-        </p:txBody>
-      </p:sp>
-      <p:sp>
-        <p:nvSpPr>
-          <p:cNvPr id="55" name="Oval 54">
-            <a:extLst>
-              <a:ext uri="{FF2B5EF4-FFF2-40B4-BE49-F238E27FC236}">
-                <a16:creationId xmlns:a16="http://schemas.microsoft.com/office/drawing/2014/main" id="{A71F9477-F07C-4E24-BDE2-6CEB8E21CD94}"/>
-              </a:ext>
-            </a:extLst>
-          </p:cNvPr>
-          <p:cNvSpPr/>
-          <p:nvPr/>
-        </p:nvSpPr>
-        <p:spPr>
-          <a:xfrm>
-            <a:off x="7440930" y="320040"/>
-            <a:ext cx="4751070" cy="1477328"/>
-          </a:xfrm>
-          <a:prstGeom prst="ellipse">
-            <a:avLst/>
-          </a:prstGeom>
-          <a:noFill/>
-        </p:spPr>
-        <p:style>
-          <a:lnRef idx="2">
-            <a:schemeClr val="accent1">
-              <a:shade val="50000"/>
-            </a:schemeClr>
-          </a:lnRef>
-          <a:fillRef idx="1">
-            <a:schemeClr val="accent1"/>
-          </a:fillRef>
-          <a:effectRef idx="0">
-            <a:schemeClr val="accent1"/>
-          </a:effectRef>
-          <a:fontRef idx="minor">
-            <a:schemeClr val="lt1"/>
-          </a:fontRef>
-        </p:style>
-        <p:txBody>
-          <a:bodyPr rtlCol="0" anchor="ctr"/>
-          <a:lstStyle/>
-          <a:p>
-            <a:pPr algn="ctr"/>
-            <a:endParaRPr lang="en-US"/>
+              <a:t>, . . . )</a:t>
+            </a:r>
           </a:p>
         </p:txBody>
       </p:sp>
     </p:spTree>
     <p:extLst>
       <p:ext uri="{BB962C8B-B14F-4D97-AF65-F5344CB8AC3E}">
-        <p14:creationId xmlns:p14="http://schemas.microsoft.com/office/powerpoint/2010/main" val="3269104287"/>
+        <p14:creationId xmlns:p14="http://schemas.microsoft.com/office/powerpoint/2010/main" val="3389684142"/>
       </p:ext>
     </p:extLst>
   </p:cSld>
@@ -5333,10 +4825,10 @@
       </p:grpSpPr>
       <p:sp>
         <p:nvSpPr>
-          <p:cNvPr id="5" name="Rectangle 4">
-            <a:extLst>
-              <a:ext uri="{FF2B5EF4-FFF2-40B4-BE49-F238E27FC236}">
-                <a16:creationId xmlns:a16="http://schemas.microsoft.com/office/drawing/2014/main" id="{51DEF6D7-4FE0-4CC7-B6F4-A8B62A7A48BE}"/>
+          <p:cNvPr id="6" name="Oval 5">
+            <a:extLst>
+              <a:ext uri="{FF2B5EF4-FFF2-40B4-BE49-F238E27FC236}">
+                <a16:creationId xmlns:a16="http://schemas.microsoft.com/office/drawing/2014/main" id="{688E5692-70AC-4FA4-A880-74B8153F055A}"/>
               </a:ext>
             </a:extLst>
           </p:cNvPr>
@@ -5345,68 +4837,120 @@
         </p:nvSpPr>
         <p:spPr>
           <a:xfrm>
-            <a:off x="4073718" y="869960"/>
-            <a:ext cx="4727382" cy="1200329"/>
+            <a:off x="133350" y="491653"/>
+            <a:ext cx="4461258" cy="1829753"/>
+          </a:xfrm>
+          <a:prstGeom prst="ellipse">
+            <a:avLst/>
+          </a:prstGeom>
+        </p:spPr>
+        <p:style>
+          <a:lnRef idx="2">
+            <a:schemeClr val="accent5"/>
+          </a:lnRef>
+          <a:fillRef idx="1">
+            <a:schemeClr val="lt1"/>
+          </a:fillRef>
+          <a:effectRef idx="0">
+            <a:schemeClr val="accent5"/>
+          </a:effectRef>
+          <a:fontRef idx="minor">
+            <a:schemeClr val="dk1"/>
+          </a:fontRef>
+        </p:style>
+        <p:txBody>
+          <a:bodyPr rtlCol="0" anchor="ctr"/>
+          <a:lstStyle/>
+          <a:p>
+            <a:r>
+              <a:rPr lang="en-US" dirty="0" err="1"/>
+              <a:t>CSlideShow</a:t>
+            </a:r>
+            <a:endParaRPr lang="en-US" dirty="0"/>
+          </a:p>
+          <a:p>
+            <a:r>
+              <a:rPr lang="en-US" dirty="0"/>
+              <a:t>	(Slides container)</a:t>
+            </a:r>
+          </a:p>
+          <a:p>
+            <a:r>
+              <a:rPr lang="en-US" dirty="0"/>
+              <a:t>	Gives access to slides,</a:t>
+            </a:r>
+          </a:p>
+          <a:p>
+            <a:r>
+              <a:rPr lang="en-US" dirty="0"/>
+              <a:t>	Ability to modify</a:t>
+            </a:r>
+          </a:p>
+        </p:txBody>
+      </p:sp>
+      <p:sp>
+        <p:nvSpPr>
+          <p:cNvPr id="7" name="TextBox 6">
+            <a:extLst>
+              <a:ext uri="{FF2B5EF4-FFF2-40B4-BE49-F238E27FC236}">
+                <a16:creationId xmlns:a16="http://schemas.microsoft.com/office/drawing/2014/main" id="{56248457-2659-4E1B-A528-90B6785C40B6}"/>
+              </a:ext>
+            </a:extLst>
+          </p:cNvPr>
+          <p:cNvSpPr txBox="1"/>
+          <p:nvPr/>
+        </p:nvSpPr>
+        <p:spPr>
+          <a:xfrm>
+            <a:off x="5410199" y="2962275"/>
+            <a:ext cx="3638549" cy="1477328"/>
           </a:xfrm>
           <a:prstGeom prst="rect">
             <a:avLst/>
           </a:prstGeom>
-        </p:spPr>
-        <p:txBody>
-          <a:bodyPr wrap="square">
+          <a:noFill/>
+        </p:spPr>
+        <p:txBody>
+          <a:bodyPr wrap="square" rtlCol="0">
             <a:spAutoFit/>
           </a:bodyPr>
           <a:lstStyle/>
           <a:p>
             <a:r>
-              <a:rPr lang="en-US" dirty="0" err="1">
-                <a:solidFill>
-                  <a:srgbClr val="000000"/>
-                </a:solidFill>
-                <a:latin typeface="Roboto"/>
-              </a:rPr>
-              <a:t>ITask</a:t>
-            </a:r>
-            <a:endParaRPr lang="en-US" dirty="0">
-              <a:solidFill>
-                <a:srgbClr val="000000"/>
-              </a:solidFill>
-              <a:latin typeface="Roboto"/>
-            </a:endParaRPr>
-          </a:p>
-          <a:p>
-            <a:r>
-              <a:rPr lang="en-US" dirty="0">
-                <a:solidFill>
-                  <a:srgbClr val="000000"/>
-                </a:solidFill>
-                <a:latin typeface="Roboto"/>
-              </a:rPr>
-              <a:t>	(answer of the user,</a:t>
-            </a:r>
-          </a:p>
-          <a:p>
-            <a:r>
-              <a:rPr lang="en-US" dirty="0">
-                <a:solidFill>
-                  <a:srgbClr val="000000"/>
-                </a:solidFill>
-                <a:latin typeface="Roboto"/>
-              </a:rPr>
-              <a:t>	Can be action or information)</a:t>
-            </a:r>
-          </a:p>
-          <a:p>
+              <a:rPr lang="en-US" dirty="0" err="1"/>
+              <a:t>CSlide</a:t>
+            </a:r>
             <a:endParaRPr lang="en-US" dirty="0"/>
           </a:p>
-        </p:txBody>
-      </p:sp>
-      <p:sp>
-        <p:nvSpPr>
-          <p:cNvPr id="6" name="Rectangle 5">
-            <a:extLst>
-              <a:ext uri="{FF2B5EF4-FFF2-40B4-BE49-F238E27FC236}">
-                <a16:creationId xmlns:a16="http://schemas.microsoft.com/office/drawing/2014/main" id="{4DAE2E87-6571-4B2C-90ED-C7C5B137F374}"/>
+          <a:p>
+            <a:r>
+              <a:rPr lang="en-US" dirty="0"/>
+              <a:t>	(Objects container)</a:t>
+            </a:r>
+          </a:p>
+          <a:p>
+            <a:r>
+              <a:rPr lang="en-US" dirty="0"/>
+              <a:t>	Gives access to objects,</a:t>
+            </a:r>
+          </a:p>
+          <a:p>
+            <a:r>
+              <a:rPr lang="en-US" dirty="0"/>
+              <a:t>	Ability to modify</a:t>
+            </a:r>
+          </a:p>
+          <a:p>
+            <a:endParaRPr lang="en-US" dirty="0"/>
+          </a:p>
+        </p:txBody>
+      </p:sp>
+      <p:sp>
+        <p:nvSpPr>
+          <p:cNvPr id="8" name="Oval 7">
+            <a:extLst>
+              <a:ext uri="{FF2B5EF4-FFF2-40B4-BE49-F238E27FC236}">
+                <a16:creationId xmlns:a16="http://schemas.microsoft.com/office/drawing/2014/main" id="{639628CD-47CE-4035-B128-5FC2AAFF82CF}"/>
               </a:ext>
             </a:extLst>
           </p:cNvPr>
@@ -5415,174 +4959,8 @@
         </p:nvSpPr>
         <p:spPr>
           <a:xfrm>
-            <a:off x="928687" y="2491100"/>
-            <a:ext cx="4155882" cy="1200329"/>
-          </a:xfrm>
-          <a:prstGeom prst="rect">
-            <a:avLst/>
-          </a:prstGeom>
-        </p:spPr>
-        <p:txBody>
-          <a:bodyPr wrap="square">
-            <a:spAutoFit/>
-          </a:bodyPr>
-          <a:lstStyle/>
-          <a:p>
-            <a:r>
-              <a:rPr lang="en-US" dirty="0" err="1">
-                <a:solidFill>
-                  <a:srgbClr val="000000"/>
-                </a:solidFill>
-                <a:latin typeface="Roboto"/>
-              </a:rPr>
-              <a:t>CAction</a:t>
-            </a:r>
-            <a:endParaRPr lang="en-US" dirty="0">
-              <a:solidFill>
-                <a:srgbClr val="000000"/>
-              </a:solidFill>
-              <a:latin typeface="Roboto"/>
-            </a:endParaRPr>
-          </a:p>
-          <a:p>
-            <a:r>
-              <a:rPr lang="en-US" dirty="0"/>
-              <a:t>	</a:t>
-            </a:r>
-            <a:r>
-              <a:rPr lang="en-US" dirty="0">
-                <a:solidFill>
-                  <a:srgbClr val="000000"/>
-                </a:solidFill>
-                <a:latin typeface="Roboto"/>
-              </a:rPr>
-              <a:t>(Changes the state of the 	</a:t>
-            </a:r>
-            <a:r>
-              <a:rPr lang="en-US" dirty="0" err="1">
-                <a:solidFill>
-                  <a:srgbClr val="000000"/>
-                </a:solidFill>
-                <a:latin typeface="Roboto"/>
-              </a:rPr>
-              <a:t>CApplication</a:t>
-            </a:r>
-            <a:r>
-              <a:rPr lang="en-US" dirty="0">
-                <a:solidFill>
-                  <a:srgbClr val="000000"/>
-                </a:solidFill>
-                <a:latin typeface="Roboto"/>
-              </a:rPr>
-              <a:t>)</a:t>
-            </a:r>
-            <a:endParaRPr lang="en-US" dirty="0"/>
-          </a:p>
-          <a:p>
-            <a:endParaRPr lang="en-US" dirty="0"/>
-          </a:p>
-        </p:txBody>
-      </p:sp>
-      <p:sp>
-        <p:nvSpPr>
-          <p:cNvPr id="7" name="Rectangle 6">
-            <a:extLst>
-              <a:ext uri="{FF2B5EF4-FFF2-40B4-BE49-F238E27FC236}">
-                <a16:creationId xmlns:a16="http://schemas.microsoft.com/office/drawing/2014/main" id="{55965252-6FF4-4AE8-9AAD-B182FF1A1BE5}"/>
-              </a:ext>
-            </a:extLst>
-          </p:cNvPr>
-          <p:cNvSpPr/>
-          <p:nvPr/>
-        </p:nvSpPr>
-        <p:spPr>
-          <a:xfrm>
-            <a:off x="8159943" y="2505670"/>
-            <a:ext cx="3489132" cy="923330"/>
-          </a:xfrm>
-          <a:prstGeom prst="rect">
-            <a:avLst/>
-          </a:prstGeom>
-        </p:spPr>
-        <p:txBody>
-          <a:bodyPr wrap="square">
-            <a:spAutoFit/>
-          </a:bodyPr>
-          <a:lstStyle/>
-          <a:p>
-            <a:r>
-              <a:rPr lang="en-US" dirty="0" err="1">
-                <a:solidFill>
-                  <a:srgbClr val="000000"/>
-                </a:solidFill>
-                <a:latin typeface="Roboto"/>
-              </a:rPr>
-              <a:t>CInformative</a:t>
-            </a:r>
-            <a:endParaRPr lang="hy-AM" dirty="0">
-              <a:solidFill>
-                <a:srgbClr val="000000"/>
-              </a:solidFill>
-              <a:latin typeface="Roboto"/>
-            </a:endParaRPr>
-          </a:p>
-          <a:p>
-            <a:r>
-              <a:rPr lang="hy-AM" dirty="0">
-                <a:solidFill>
-                  <a:srgbClr val="000000"/>
-                </a:solidFill>
-                <a:latin typeface="Roboto"/>
-              </a:rPr>
-              <a:t>	</a:t>
-            </a:r>
-            <a:r>
-              <a:rPr lang="en-US" dirty="0">
-                <a:solidFill>
-                  <a:srgbClr val="000000"/>
-                </a:solidFill>
-                <a:latin typeface="Roboto"/>
-              </a:rPr>
-              <a:t>Gives info about 	</a:t>
-            </a:r>
-            <a:r>
-              <a:rPr lang="en-US" dirty="0" err="1">
-                <a:solidFill>
-                  <a:srgbClr val="000000"/>
-                </a:solidFill>
-                <a:latin typeface="Roboto"/>
-              </a:rPr>
-              <a:t>CApplication</a:t>
-            </a:r>
-            <a:r>
-              <a:rPr lang="en-US" dirty="0">
-                <a:solidFill>
-                  <a:srgbClr val="000000"/>
-                </a:solidFill>
-                <a:latin typeface="Roboto"/>
-              </a:rPr>
-              <a:t> state</a:t>
-            </a:r>
-            <a:endParaRPr lang="en-US" dirty="0"/>
-          </a:p>
-        </p:txBody>
-      </p:sp>
-      <p:sp>
-        <p:nvSpPr>
-          <p:cNvPr id="9" name="Oval 8">
-            <a:extLst>
-              <a:ext uri="{FF2B5EF4-FFF2-40B4-BE49-F238E27FC236}">
-                <a16:creationId xmlns:a16="http://schemas.microsoft.com/office/drawing/2014/main" id="{3EE1CF11-B7DE-4741-A5F8-00BAA5D89273}"/>
-              </a:ext>
-            </a:extLst>
-          </p:cNvPr>
-          <p:cNvSpPr/>
-          <p:nvPr/>
-        </p:nvSpPr>
-        <p:spPr>
-          <a:xfrm>
-            <a:off x="3371850" y="457200"/>
-            <a:ext cx="5553075" cy="1613089"/>
+            <a:off x="5038725" y="2638425"/>
+            <a:ext cx="3752850" cy="1990136"/>
           </a:xfrm>
           <a:prstGeom prst="ellipse">
             <a:avLst/>
@@ -5614,12 +4992,185 @@
           </a:p>
         </p:txBody>
       </p:sp>
-      <p:sp>
-        <p:nvSpPr>
-          <p:cNvPr id="10" name="Oval 9">
-            <a:extLst>
-              <a:ext uri="{FF2B5EF4-FFF2-40B4-BE49-F238E27FC236}">
-                <a16:creationId xmlns:a16="http://schemas.microsoft.com/office/drawing/2014/main" id="{EB9A440D-39C6-4782-B017-A1E438CE8D96}"/>
+      <p:cxnSp>
+        <p:nvCxnSpPr>
+          <p:cNvPr id="10" name="Straight Arrow Connector 9">
+            <a:extLst>
+              <a:ext uri="{FF2B5EF4-FFF2-40B4-BE49-F238E27FC236}">
+                <a16:creationId xmlns:a16="http://schemas.microsoft.com/office/drawing/2014/main" id="{A864DBF3-B9EF-4596-AC85-BE5FBC2D53F0}"/>
+              </a:ext>
+            </a:extLst>
+          </p:cNvPr>
+          <p:cNvCxnSpPr>
+            <a:cxnSpLocks/>
+            <a:endCxn id="7" idx="1"/>
+          </p:cNvCxnSpPr>
+          <p:nvPr/>
+        </p:nvCxnSpPr>
+        <p:spPr>
+          <a:xfrm>
+            <a:off x="1565733" y="1996559"/>
+            <a:ext cx="3844466" cy="1704380"/>
+          </a:xfrm>
+          <a:prstGeom prst="straightConnector1">
+            <a:avLst/>
+          </a:prstGeom>
+          <a:ln>
+            <a:tailEnd type="triangle"/>
+          </a:ln>
+        </p:spPr>
+        <p:style>
+          <a:lnRef idx="1">
+            <a:schemeClr val="accent1"/>
+          </a:lnRef>
+          <a:fillRef idx="0">
+            <a:schemeClr val="accent1"/>
+          </a:fillRef>
+          <a:effectRef idx="0">
+            <a:schemeClr val="accent1"/>
+          </a:effectRef>
+          <a:fontRef idx="minor">
+            <a:schemeClr val="tx1"/>
+          </a:fontRef>
+        </p:style>
+      </p:cxnSp>
+      <p:sp>
+        <p:nvSpPr>
+          <p:cNvPr id="11" name="TextBox 10">
+            <a:extLst>
+              <a:ext uri="{FF2B5EF4-FFF2-40B4-BE49-F238E27FC236}">
+                <a16:creationId xmlns:a16="http://schemas.microsoft.com/office/drawing/2014/main" id="{613471D3-1EF0-41D7-91AF-5EB4CB4D6626}"/>
+              </a:ext>
+            </a:extLst>
+          </p:cNvPr>
+          <p:cNvSpPr txBox="1"/>
+          <p:nvPr/>
+        </p:nvSpPr>
+        <p:spPr>
+          <a:xfrm>
+            <a:off x="1565733" y="5997015"/>
+            <a:ext cx="1007785" cy="369332"/>
+          </a:xfrm>
+          <a:prstGeom prst="rect">
+            <a:avLst/>
+          </a:prstGeom>
+          <a:noFill/>
+        </p:spPr>
+        <p:txBody>
+          <a:bodyPr wrap="square" rtlCol="0">
+            <a:spAutoFit/>
+          </a:bodyPr>
+          <a:lstStyle/>
+          <a:p>
+            <a:r>
+              <a:rPr lang="en-US" dirty="0" err="1"/>
+              <a:t>CObject</a:t>
+            </a:r>
+            <a:endParaRPr lang="en-US" dirty="0"/>
+          </a:p>
+        </p:txBody>
+      </p:sp>
+      <p:cxnSp>
+        <p:nvCxnSpPr>
+          <p:cNvPr id="53" name="Straight Arrow Connector 52">
+            <a:extLst>
+              <a:ext uri="{FF2B5EF4-FFF2-40B4-BE49-F238E27FC236}">
+                <a16:creationId xmlns:a16="http://schemas.microsoft.com/office/drawing/2014/main" id="{7DF80341-1349-4768-B6DF-D51BF1339833}"/>
+              </a:ext>
+            </a:extLst>
+          </p:cNvPr>
+          <p:cNvCxnSpPr>
+            <a:cxnSpLocks/>
+            <a:endCxn id="11" idx="0"/>
+          </p:cNvCxnSpPr>
+          <p:nvPr/>
+        </p:nvCxnSpPr>
+        <p:spPr>
+          <a:xfrm flipH="1">
+            <a:off x="2069626" y="4439603"/>
+            <a:ext cx="5159848" cy="1557412"/>
+          </a:xfrm>
+          <a:prstGeom prst="straightConnector1">
+            <a:avLst/>
+          </a:prstGeom>
+          <a:ln>
+            <a:tailEnd type="triangle"/>
+          </a:ln>
+        </p:spPr>
+        <p:style>
+          <a:lnRef idx="1">
+            <a:schemeClr val="accent1"/>
+          </a:lnRef>
+          <a:fillRef idx="0">
+            <a:schemeClr val="accent1"/>
+          </a:fillRef>
+          <a:effectRef idx="0">
+            <a:schemeClr val="accent1"/>
+          </a:effectRef>
+          <a:fontRef idx="minor">
+            <a:schemeClr val="tx1"/>
+          </a:fontRef>
+        </p:style>
+      </p:cxnSp>
+      <p:sp>
+        <p:nvSpPr>
+          <p:cNvPr id="54" name="TextBox 53">
+            <a:extLst>
+              <a:ext uri="{FF2B5EF4-FFF2-40B4-BE49-F238E27FC236}">
+                <a16:creationId xmlns:a16="http://schemas.microsoft.com/office/drawing/2014/main" id="{4104B0AC-0A9D-4374-A9A2-1967BE7BEAAD}"/>
+              </a:ext>
+            </a:extLst>
+          </p:cNvPr>
+          <p:cNvSpPr txBox="1"/>
+          <p:nvPr/>
+        </p:nvSpPr>
+        <p:spPr>
+          <a:xfrm>
+            <a:off x="7983977" y="662761"/>
+            <a:ext cx="3973832" cy="923330"/>
+          </a:xfrm>
+          <a:prstGeom prst="rect">
+            <a:avLst/>
+          </a:prstGeom>
+          <a:noFill/>
+        </p:spPr>
+        <p:txBody>
+          <a:bodyPr wrap="square" rtlCol="0">
+            <a:spAutoFit/>
+          </a:bodyPr>
+          <a:lstStyle/>
+          <a:p>
+            <a:r>
+              <a:rPr lang="en-US" dirty="0" err="1"/>
+              <a:t>CActionStack</a:t>
+            </a:r>
+            <a:endParaRPr lang="en-US" dirty="0"/>
+          </a:p>
+          <a:p>
+            <a:r>
+              <a:rPr lang="en-US" dirty="0"/>
+              <a:t>	(keeps all executed </a:t>
+            </a:r>
+            <a:r>
+              <a:rPr lang="en-US" dirty="0" err="1"/>
+              <a:t>CActions</a:t>
+            </a:r>
+            <a:endParaRPr lang="en-US" dirty="0"/>
+          </a:p>
+          <a:p>
+            <a:r>
+              <a:rPr lang="en-US" dirty="0"/>
+              <a:t>	 in stack)</a:t>
+            </a:r>
+          </a:p>
+        </p:txBody>
+      </p:sp>
+      <p:sp>
+        <p:nvSpPr>
+          <p:cNvPr id="55" name="Oval 54">
+            <a:extLst>
+              <a:ext uri="{FF2B5EF4-FFF2-40B4-BE49-F238E27FC236}">
+                <a16:creationId xmlns:a16="http://schemas.microsoft.com/office/drawing/2014/main" id="{A71F9477-F07C-4E24-BDE2-6CEB8E21CD94}"/>
               </a:ext>
             </a:extLst>
           </p:cNvPr>
@@ -5628,8 +5179,8 @@
         </p:nvSpPr>
         <p:spPr>
           <a:xfrm>
-            <a:off x="0" y="2122542"/>
-            <a:ext cx="5553075" cy="1613089"/>
+            <a:off x="7440930" y="320040"/>
+            <a:ext cx="4751070" cy="1477328"/>
           </a:xfrm>
           <a:prstGeom prst="ellipse">
             <a:avLst/>
@@ -5663,10 +5214,10 @@
       </p:sp>
       <p:sp>
         <p:nvSpPr>
-          <p:cNvPr id="11" name="Oval 10">
-            <a:extLst>
-              <a:ext uri="{FF2B5EF4-FFF2-40B4-BE49-F238E27FC236}">
-                <a16:creationId xmlns:a16="http://schemas.microsoft.com/office/drawing/2014/main" id="{BD487927-9822-4B43-B6EE-EA3B3655177E}"/>
+          <p:cNvPr id="29" name="Rectangle 28">
+            <a:extLst>
+              <a:ext uri="{FF2B5EF4-FFF2-40B4-BE49-F238E27FC236}">
+                <a16:creationId xmlns:a16="http://schemas.microsoft.com/office/drawing/2014/main" id="{89F758E2-D9E4-43B1-B893-D3DCF583E433}"/>
               </a:ext>
             </a:extLst>
           </p:cNvPr>
@@ -5675,28 +5226,25 @@
         </p:nvSpPr>
         <p:spPr>
           <a:xfrm>
-            <a:off x="6638925" y="2261041"/>
-            <a:ext cx="5553075" cy="1613089"/>
-          </a:xfrm>
-          <a:prstGeom prst="ellipse">
+            <a:off x="2667786" y="5418844"/>
+            <a:ext cx="1131216" cy="1439156"/>
+          </a:xfrm>
+          <a:prstGeom prst="rect">
             <a:avLst/>
           </a:prstGeom>
-          <a:noFill/>
         </p:spPr>
         <p:style>
           <a:lnRef idx="2">
-            <a:schemeClr val="accent1">
-              <a:shade val="50000"/>
-            </a:schemeClr>
+            <a:schemeClr val="dk1"/>
           </a:lnRef>
           <a:fillRef idx="1">
-            <a:schemeClr val="accent1"/>
+            <a:schemeClr val="lt1"/>
           </a:fillRef>
           <a:effectRef idx="0">
-            <a:schemeClr val="accent1"/>
+            <a:schemeClr val="dk1"/>
           </a:effectRef>
           <a:fontRef idx="minor">
-            <a:schemeClr val="lt1"/>
+            <a:schemeClr val="dk1"/>
           </a:fontRef>
         </p:style>
         <p:txBody>
@@ -5704,36 +5252,79 @@
           <a:lstStyle/>
           <a:p>
             <a:pPr algn="ctr"/>
-            <a:endParaRPr lang="en-US"/>
+            <a:r>
+              <a:rPr lang="en-US" dirty="0"/>
+              <a:t>Shape</a:t>
+            </a:r>
+          </a:p>
+          <a:p>
+            <a:pPr algn="ctr"/>
+            <a:r>
+              <a:rPr lang="en-US" dirty="0"/>
+              <a:t>Pos</a:t>
+            </a:r>
+          </a:p>
+          <a:p>
+            <a:pPr algn="ctr"/>
+            <a:r>
+              <a:rPr lang="en-US" dirty="0"/>
+              <a:t>Color</a:t>
+            </a:r>
+          </a:p>
+          <a:p>
+            <a:pPr algn="ctr"/>
+            <a:r>
+              <a:rPr lang="en-US" dirty="0">
+                <a:solidFill>
+                  <a:schemeClr val="bg2">
+                    <a:lumMod val="50000"/>
+                  </a:schemeClr>
+                </a:solidFill>
+              </a:rPr>
+              <a:t>Text</a:t>
+            </a:r>
+            <a:r>
+              <a:rPr lang="en-US" sz="1400" dirty="0">
+                <a:solidFill>
+                  <a:schemeClr val="bg2">
+                    <a:lumMod val="50000"/>
+                  </a:schemeClr>
+                </a:solidFill>
+              </a:rPr>
+              <a:t>(opt.)</a:t>
+            </a:r>
+          </a:p>
+          <a:p>
+            <a:pPr algn="ctr"/>
+            <a:r>
+              <a:rPr lang="en-US" dirty="0"/>
+              <a:t>. . .</a:t>
+            </a:r>
           </a:p>
         </p:txBody>
       </p:sp>
       <p:cxnSp>
         <p:nvCxnSpPr>
-          <p:cNvPr id="13" name="Straight Arrow Connector 12">
-            <a:extLst>
-              <a:ext uri="{FF2B5EF4-FFF2-40B4-BE49-F238E27FC236}">
-                <a16:creationId xmlns:a16="http://schemas.microsoft.com/office/drawing/2014/main" id="{CD9C3C33-4C86-44AE-B727-607EC8EC6D1F}"/>
+          <p:cNvPr id="31" name="Straight Connector 30">
+            <a:extLst>
+              <a:ext uri="{FF2B5EF4-FFF2-40B4-BE49-F238E27FC236}">
+                <a16:creationId xmlns:a16="http://schemas.microsoft.com/office/drawing/2014/main" id="{22F8674F-C9DF-454F-9FD6-69D3D6AC6036}"/>
               </a:ext>
             </a:extLst>
           </p:cNvPr>
           <p:cNvCxnSpPr>
             <a:cxnSpLocks/>
-            <a:endCxn id="6" idx="0"/>
           </p:cNvCxnSpPr>
           <p:nvPr/>
         </p:nvCxnSpPr>
         <p:spPr>
-          <a:xfrm flipH="1">
-            <a:off x="3006628" y="1771650"/>
-            <a:ext cx="1832074" cy="719450"/>
-          </a:xfrm>
-          <a:prstGeom prst="straightConnector1">
+          <a:xfrm flipV="1">
+            <a:off x="3553906" y="5418845"/>
+            <a:ext cx="1131216" cy="193248"/>
+          </a:xfrm>
+          <a:prstGeom prst="line">
             <a:avLst/>
           </a:prstGeom>
-          <a:ln>
-            <a:tailEnd type="triangle"/>
-          </a:ln>
         </p:spPr>
         <p:style>
           <a:lnRef idx="1">
@@ -5752,30 +5343,26 @@
       </p:cxnSp>
       <p:cxnSp>
         <p:nvCxnSpPr>
-          <p:cNvPr id="15" name="Straight Arrow Connector 14">
-            <a:extLst>
-              <a:ext uri="{FF2B5EF4-FFF2-40B4-BE49-F238E27FC236}">
-                <a16:creationId xmlns:a16="http://schemas.microsoft.com/office/drawing/2014/main" id="{A384333F-6402-4453-A1AB-DE9DE56F57B8}"/>
+          <p:cNvPr id="41" name="Straight Connector 40">
+            <a:extLst>
+              <a:ext uri="{FF2B5EF4-FFF2-40B4-BE49-F238E27FC236}">
+                <a16:creationId xmlns:a16="http://schemas.microsoft.com/office/drawing/2014/main" id="{BD4A7490-6DF1-44AE-B4F5-39E81E8CA570}"/>
               </a:ext>
             </a:extLst>
           </p:cNvPr>
           <p:cNvCxnSpPr>
-            <a:cxnSpLocks/>
-            <a:endCxn id="7" idx="0"/>
+            <a:stCxn id="36" idx="1"/>
           </p:cNvCxnSpPr>
           <p:nvPr/>
         </p:nvCxnSpPr>
         <p:spPr>
-          <a:xfrm>
-            <a:off x="6638925" y="1857375"/>
-            <a:ext cx="3265584" cy="648295"/>
-          </a:xfrm>
-          <a:prstGeom prst="straightConnector1">
+          <a:xfrm flipH="1" flipV="1">
+            <a:off x="3553906" y="5612093"/>
+            <a:ext cx="1152767" cy="83883"/>
+          </a:xfrm>
+          <a:prstGeom prst="line">
             <a:avLst/>
           </a:prstGeom>
-          <a:ln>
-            <a:tailEnd type="triangle"/>
-          </a:ln>
         </p:spPr>
         <p:style>
           <a:lnRef idx="1">
@@ -5792,10 +5379,279 @@
           </a:fontRef>
         </p:style>
       </p:cxnSp>
+      <p:cxnSp>
+        <p:nvCxnSpPr>
+          <p:cNvPr id="43" name="Straight Connector 42">
+            <a:extLst>
+              <a:ext uri="{FF2B5EF4-FFF2-40B4-BE49-F238E27FC236}">
+                <a16:creationId xmlns:a16="http://schemas.microsoft.com/office/drawing/2014/main" id="{E7BB703B-73DF-4DBC-888C-3FE9B1656052}"/>
+              </a:ext>
+            </a:extLst>
+          </p:cNvPr>
+          <p:cNvCxnSpPr>
+            <a:stCxn id="37" idx="1"/>
+          </p:cNvCxnSpPr>
+          <p:nvPr/>
+        </p:nvCxnSpPr>
+        <p:spPr>
+          <a:xfrm flipH="1" flipV="1">
+            <a:off x="3553906" y="5612093"/>
+            <a:ext cx="1152767" cy="334531"/>
+          </a:xfrm>
+          <a:prstGeom prst="line">
+            <a:avLst/>
+          </a:prstGeom>
+        </p:spPr>
+        <p:style>
+          <a:lnRef idx="1">
+            <a:schemeClr val="accent1"/>
+          </a:lnRef>
+          <a:fillRef idx="0">
+            <a:schemeClr val="accent1"/>
+          </a:fillRef>
+          <a:effectRef idx="0">
+            <a:schemeClr val="accent1"/>
+          </a:effectRef>
+          <a:fontRef idx="minor">
+            <a:schemeClr val="tx1"/>
+          </a:fontRef>
+        </p:style>
+      </p:cxnSp>
+      <p:cxnSp>
+        <p:nvCxnSpPr>
+          <p:cNvPr id="45" name="Straight Connector 44">
+            <a:extLst>
+              <a:ext uri="{FF2B5EF4-FFF2-40B4-BE49-F238E27FC236}">
+                <a16:creationId xmlns:a16="http://schemas.microsoft.com/office/drawing/2014/main" id="{0B867296-0D5C-4325-B60B-2638F36AE75D}"/>
+              </a:ext>
+            </a:extLst>
+          </p:cNvPr>
+          <p:cNvCxnSpPr>
+            <a:cxnSpLocks/>
+            <a:stCxn id="39" idx="1"/>
+          </p:cNvCxnSpPr>
+          <p:nvPr/>
+        </p:nvCxnSpPr>
+        <p:spPr>
+          <a:xfrm flipH="1" flipV="1">
+            <a:off x="3575456" y="5612092"/>
+            <a:ext cx="1131216" cy="597411"/>
+          </a:xfrm>
+          <a:prstGeom prst="line">
+            <a:avLst/>
+          </a:prstGeom>
+        </p:spPr>
+        <p:style>
+          <a:lnRef idx="1">
+            <a:schemeClr val="accent1"/>
+          </a:lnRef>
+          <a:fillRef idx="0">
+            <a:schemeClr val="accent1"/>
+          </a:fillRef>
+          <a:effectRef idx="0">
+            <a:schemeClr val="accent1"/>
+          </a:effectRef>
+          <a:fontRef idx="minor">
+            <a:schemeClr val="tx1"/>
+          </a:fontRef>
+        </p:style>
+      </p:cxnSp>
+      <p:sp>
+        <p:nvSpPr>
+          <p:cNvPr id="47" name="Rectangle: Rounded Corners 46">
+            <a:extLst>
+              <a:ext uri="{FF2B5EF4-FFF2-40B4-BE49-F238E27FC236}">
+                <a16:creationId xmlns:a16="http://schemas.microsoft.com/office/drawing/2014/main" id="{B6F12819-2451-444E-992C-324E1CE4D05D}"/>
+              </a:ext>
+            </a:extLst>
+          </p:cNvPr>
+          <p:cNvSpPr/>
+          <p:nvPr/>
+        </p:nvSpPr>
+        <p:spPr>
+          <a:xfrm>
+            <a:off x="4685122" y="5242761"/>
+            <a:ext cx="1272174" cy="1368454"/>
+          </a:xfrm>
+          <a:prstGeom prst="roundRect">
+            <a:avLst/>
+          </a:prstGeom>
+          <a:solidFill>
+            <a:schemeClr val="accent6">
+              <a:lumMod val="20000"/>
+              <a:lumOff val="80000"/>
+            </a:schemeClr>
+          </a:solidFill>
+        </p:spPr>
+        <p:style>
+          <a:lnRef idx="2">
+            <a:schemeClr val="accent1">
+              <a:shade val="50000"/>
+            </a:schemeClr>
+          </a:lnRef>
+          <a:fillRef idx="1">
+            <a:schemeClr val="accent1"/>
+          </a:fillRef>
+          <a:effectRef idx="0">
+            <a:schemeClr val="accent1"/>
+          </a:effectRef>
+          <a:fontRef idx="minor">
+            <a:schemeClr val="lt1"/>
+          </a:fontRef>
+        </p:style>
+        <p:txBody>
+          <a:bodyPr rtlCol="0" anchor="ctr"/>
+          <a:lstStyle/>
+          <a:p>
+            <a:pPr algn="ctr"/>
+            <a:endParaRPr lang="en-US"/>
+          </a:p>
+        </p:txBody>
+      </p:sp>
+      <p:sp>
+        <p:nvSpPr>
+          <p:cNvPr id="36" name="TextBox 35">
+            <a:extLst>
+              <a:ext uri="{FF2B5EF4-FFF2-40B4-BE49-F238E27FC236}">
+                <a16:creationId xmlns:a16="http://schemas.microsoft.com/office/drawing/2014/main" id="{A0920060-1F38-4F91-AA42-906C53BC5147}"/>
+              </a:ext>
+            </a:extLst>
+          </p:cNvPr>
+          <p:cNvSpPr txBox="1"/>
+          <p:nvPr/>
+        </p:nvSpPr>
+        <p:spPr>
+          <a:xfrm>
+            <a:off x="4706673" y="5511310"/>
+            <a:ext cx="1250623" cy="369332"/>
+          </a:xfrm>
+          <a:prstGeom prst="rect">
+            <a:avLst/>
+          </a:prstGeom>
+          <a:noFill/>
+        </p:spPr>
+        <p:txBody>
+          <a:bodyPr wrap="square" rtlCol="0">
+            <a:spAutoFit/>
+          </a:bodyPr>
+          <a:lstStyle/>
+          <a:p>
+            <a:r>
+              <a:rPr lang="en-US" dirty="0"/>
+              <a:t>triangle</a:t>
+            </a:r>
+          </a:p>
+        </p:txBody>
+      </p:sp>
+      <p:sp>
+        <p:nvSpPr>
+          <p:cNvPr id="37" name="TextBox 36">
+            <a:extLst>
+              <a:ext uri="{FF2B5EF4-FFF2-40B4-BE49-F238E27FC236}">
+                <a16:creationId xmlns:a16="http://schemas.microsoft.com/office/drawing/2014/main" id="{3488DE91-5B7C-43BA-B310-36AED51B6371}"/>
+              </a:ext>
+            </a:extLst>
+          </p:cNvPr>
+          <p:cNvSpPr txBox="1"/>
+          <p:nvPr/>
+        </p:nvSpPr>
+        <p:spPr>
+          <a:xfrm>
+            <a:off x="4706673" y="5761958"/>
+            <a:ext cx="1250623" cy="369332"/>
+          </a:xfrm>
+          <a:prstGeom prst="rect">
+            <a:avLst/>
+          </a:prstGeom>
+          <a:noFill/>
+        </p:spPr>
+        <p:txBody>
+          <a:bodyPr wrap="square" rtlCol="0">
+            <a:spAutoFit/>
+          </a:bodyPr>
+          <a:lstStyle/>
+          <a:p>
+            <a:r>
+              <a:rPr lang="en-US" dirty="0"/>
+              <a:t>circular</a:t>
+            </a:r>
+          </a:p>
+        </p:txBody>
+      </p:sp>
+      <p:sp>
+        <p:nvSpPr>
+          <p:cNvPr id="39" name="TextBox 38">
+            <a:extLst>
+              <a:ext uri="{FF2B5EF4-FFF2-40B4-BE49-F238E27FC236}">
+                <a16:creationId xmlns:a16="http://schemas.microsoft.com/office/drawing/2014/main" id="{D8016D98-78F2-4189-8983-6F58137FE41A}"/>
+              </a:ext>
+            </a:extLst>
+          </p:cNvPr>
+          <p:cNvSpPr txBox="1"/>
+          <p:nvPr/>
+        </p:nvSpPr>
+        <p:spPr>
+          <a:xfrm>
+            <a:off x="4706672" y="6024837"/>
+            <a:ext cx="1250623" cy="369332"/>
+          </a:xfrm>
+          <a:prstGeom prst="rect">
+            <a:avLst/>
+          </a:prstGeom>
+          <a:noFill/>
+        </p:spPr>
+        <p:txBody>
+          <a:bodyPr wrap="square" rtlCol="0">
+            <a:spAutoFit/>
+          </a:bodyPr>
+          <a:lstStyle/>
+          <a:p>
+            <a:r>
+              <a:rPr lang="en-US" dirty="0"/>
+              <a:t>line</a:t>
+            </a:r>
+          </a:p>
+        </p:txBody>
+      </p:sp>
+      <p:sp>
+        <p:nvSpPr>
+          <p:cNvPr id="32" name="TextBox 31">
+            <a:extLst>
+              <a:ext uri="{FF2B5EF4-FFF2-40B4-BE49-F238E27FC236}">
+                <a16:creationId xmlns:a16="http://schemas.microsoft.com/office/drawing/2014/main" id="{45B520AC-531C-43A2-A1CA-4B6E00991817}"/>
+              </a:ext>
+            </a:extLst>
+          </p:cNvPr>
+          <p:cNvSpPr txBox="1"/>
+          <p:nvPr/>
+        </p:nvSpPr>
+        <p:spPr>
+          <a:xfrm>
+            <a:off x="4706674" y="5242761"/>
+            <a:ext cx="1250623" cy="369332"/>
+          </a:xfrm>
+          <a:prstGeom prst="rect">
+            <a:avLst/>
+          </a:prstGeom>
+          <a:noFill/>
+        </p:spPr>
+        <p:txBody>
+          <a:bodyPr wrap="square" rtlCol="0">
+            <a:spAutoFit/>
+          </a:bodyPr>
+          <a:lstStyle/>
+          <a:p>
+            <a:r>
+              <a:rPr lang="en-US" dirty="0"/>
+              <a:t>rectangle</a:t>
+            </a:r>
+          </a:p>
+        </p:txBody>
+      </p:sp>
     </p:spTree>
     <p:extLst>
       <p:ext uri="{BB962C8B-B14F-4D97-AF65-F5344CB8AC3E}">
-        <p14:creationId xmlns:p14="http://schemas.microsoft.com/office/powerpoint/2010/main" val="552381878"/>
+        <p14:creationId xmlns:p14="http://schemas.microsoft.com/office/powerpoint/2010/main" val="3269104287"/>
       </p:ext>
     </p:extLst>
   </p:cSld>

--- a/Powerpoint.pptx
+++ b/Powerpoint.pptx
@@ -134,7 +134,7 @@
 <p:cmLst xmlns:a="http://schemas.openxmlformats.org/drawingml/2006/main" xmlns:r="http://schemas.openxmlformats.org/officeDocument/2006/relationships" xmlns:p="http://schemas.openxmlformats.org/presentationml/2006/main">
   <p:cm authorId="1" dt="2022-10-11T01:05:32.485" idx="3">
     <p:pos x="1635" y="1766"/>
-    <p:text>will return commands pointer, if it is nullptr than the input was syntactically wrong</p:text>
+    <p:text>will pass CAction with signal</p:text>
     <p:extLst>
       <p:ext uri="{C676402C-5697-4E1C-873F-D02D1690AC5C}">
         <p15:threadingInfo xmlns:p15="http://schemas.microsoft.com/office/powerpoint/2012/main" timeZoneBias="-240"/>
@@ -291,7 +291,7 @@
           <a:p>
             <a:fld id="{9E723CCF-A3C6-403D-858F-64DAFB8EF728}" type="datetimeFigureOut">
               <a:rPr lang="en-US" smtClean="0"/>
-              <a:t>10/12/2022</a:t>
+              <a:t>10/16/2022</a:t>
             </a:fld>
             <a:endParaRPr lang="en-US"/>
           </a:p>
@@ -489,7 +489,7 @@
           <a:p>
             <a:fld id="{9E723CCF-A3C6-403D-858F-64DAFB8EF728}" type="datetimeFigureOut">
               <a:rPr lang="en-US" smtClean="0"/>
-              <a:t>10/12/2022</a:t>
+              <a:t>10/16/2022</a:t>
             </a:fld>
             <a:endParaRPr lang="en-US"/>
           </a:p>
@@ -697,7 +697,7 @@
           <a:p>
             <a:fld id="{9E723CCF-A3C6-403D-858F-64DAFB8EF728}" type="datetimeFigureOut">
               <a:rPr lang="en-US" smtClean="0"/>
-              <a:t>10/12/2022</a:t>
+              <a:t>10/16/2022</a:t>
             </a:fld>
             <a:endParaRPr lang="en-US"/>
           </a:p>
@@ -895,7 +895,7 @@
           <a:p>
             <a:fld id="{9E723CCF-A3C6-403D-858F-64DAFB8EF728}" type="datetimeFigureOut">
               <a:rPr lang="en-US" smtClean="0"/>
-              <a:t>10/12/2022</a:t>
+              <a:t>10/16/2022</a:t>
             </a:fld>
             <a:endParaRPr lang="en-US"/>
           </a:p>
@@ -1170,7 +1170,7 @@
           <a:p>
             <a:fld id="{9E723CCF-A3C6-403D-858F-64DAFB8EF728}" type="datetimeFigureOut">
               <a:rPr lang="en-US" smtClean="0"/>
-              <a:t>10/12/2022</a:t>
+              <a:t>10/16/2022</a:t>
             </a:fld>
             <a:endParaRPr lang="en-US"/>
           </a:p>
@@ -1435,7 +1435,7 @@
           <a:p>
             <a:fld id="{9E723CCF-A3C6-403D-858F-64DAFB8EF728}" type="datetimeFigureOut">
               <a:rPr lang="en-US" smtClean="0"/>
-              <a:t>10/12/2022</a:t>
+              <a:t>10/16/2022</a:t>
             </a:fld>
             <a:endParaRPr lang="en-US"/>
           </a:p>
@@ -1847,7 +1847,7 @@
           <a:p>
             <a:fld id="{9E723CCF-A3C6-403D-858F-64DAFB8EF728}" type="datetimeFigureOut">
               <a:rPr lang="en-US" smtClean="0"/>
-              <a:t>10/12/2022</a:t>
+              <a:t>10/16/2022</a:t>
             </a:fld>
             <a:endParaRPr lang="en-US"/>
           </a:p>
@@ -1988,7 +1988,7 @@
           <a:p>
             <a:fld id="{9E723CCF-A3C6-403D-858F-64DAFB8EF728}" type="datetimeFigureOut">
               <a:rPr lang="en-US" smtClean="0"/>
-              <a:t>10/12/2022</a:t>
+              <a:t>10/16/2022</a:t>
             </a:fld>
             <a:endParaRPr lang="en-US"/>
           </a:p>
@@ -2101,7 +2101,7 @@
           <a:p>
             <a:fld id="{9E723CCF-A3C6-403D-858F-64DAFB8EF728}" type="datetimeFigureOut">
               <a:rPr lang="en-US" smtClean="0"/>
-              <a:t>10/12/2022</a:t>
+              <a:t>10/16/2022</a:t>
             </a:fld>
             <a:endParaRPr lang="en-US"/>
           </a:p>
@@ -2412,7 +2412,7 @@
           <a:p>
             <a:fld id="{9E723CCF-A3C6-403D-858F-64DAFB8EF728}" type="datetimeFigureOut">
               <a:rPr lang="en-US" smtClean="0"/>
-              <a:t>10/12/2022</a:t>
+              <a:t>10/16/2022</a:t>
             </a:fld>
             <a:endParaRPr lang="en-US"/>
           </a:p>
@@ -2700,7 +2700,7 @@
           <a:p>
             <a:fld id="{9E723CCF-A3C6-403D-858F-64DAFB8EF728}" type="datetimeFigureOut">
               <a:rPr lang="en-US" smtClean="0"/>
-              <a:t>10/12/2022</a:t>
+              <a:t>10/16/2022</a:t>
             </a:fld>
             <a:endParaRPr lang="en-US"/>
           </a:p>
@@ -2941,7 +2941,7 @@
           <a:p>
             <a:fld id="{9E723CCF-A3C6-403D-858F-64DAFB8EF728}" type="datetimeFigureOut">
               <a:rPr lang="en-US" smtClean="0"/>
-              <a:t>10/12/2022</a:t>
+              <a:t>10/16/2022</a:t>
             </a:fld>
             <a:endParaRPr lang="en-US"/>
           </a:p>
@@ -3444,199 +3444,280 @@
           <a:chExt cx="0" cy="0"/>
         </a:xfrm>
       </p:grpSpPr>
-      <p:sp>
-        <p:nvSpPr>
-          <p:cNvPr id="4" name="TextBox 3">
-            <a:extLst>
-              <a:ext uri="{FF2B5EF4-FFF2-40B4-BE49-F238E27FC236}">
-                <a16:creationId xmlns:a16="http://schemas.microsoft.com/office/drawing/2014/main" id="{CC1705C5-FCB5-44DC-9606-9C737DFA5581}"/>
-              </a:ext>
-            </a:extLst>
-          </p:cNvPr>
-          <p:cNvSpPr txBox="1"/>
+      <p:grpSp>
+        <p:nvGrpSpPr>
+          <p:cNvPr id="2" name="Group 1">
+            <a:extLst>
+              <a:ext uri="{FF2B5EF4-FFF2-40B4-BE49-F238E27FC236}">
+                <a16:creationId xmlns:a16="http://schemas.microsoft.com/office/drawing/2014/main" id="{933ED652-897B-4079-8EC2-E2DC36316552}"/>
+              </a:ext>
+            </a:extLst>
+          </p:cNvPr>
+          <p:cNvGrpSpPr/>
           <p:nvPr/>
-        </p:nvSpPr>
-        <p:spPr>
+        </p:nvGrpSpPr>
+        <p:grpSpPr>
           <a:xfrm>
             <a:off x="1543050" y="685800"/>
-            <a:ext cx="3019425" cy="369332"/>
+            <a:ext cx="4010025" cy="5781675"/>
+            <a:chOff x="1543050" y="685800"/>
+            <a:chExt cx="4010025" cy="5781675"/>
           </a:xfrm>
-          <a:prstGeom prst="rect">
-            <a:avLst/>
-          </a:prstGeom>
-          <a:noFill/>
-        </p:spPr>
-        <p:txBody>
-          <a:bodyPr wrap="square" rtlCol="0">
-            <a:spAutoFit/>
-          </a:bodyPr>
-          <a:lstStyle/>
-          <a:p>
-            <a:r>
-              <a:rPr lang="en-US" dirty="0" err="1"/>
-              <a:t>PwPtDocument</a:t>
-            </a:r>
-            <a:endParaRPr lang="en-US" dirty="0"/>
-          </a:p>
-        </p:txBody>
-      </p:sp>
-      <p:sp>
-        <p:nvSpPr>
-          <p:cNvPr id="5" name="Rectangle 4">
-            <a:extLst>
-              <a:ext uri="{FF2B5EF4-FFF2-40B4-BE49-F238E27FC236}">
-                <a16:creationId xmlns:a16="http://schemas.microsoft.com/office/drawing/2014/main" id="{48A421E3-76D8-45E2-B367-9E63D2B7B97C}"/>
-              </a:ext>
-            </a:extLst>
-          </p:cNvPr>
-          <p:cNvSpPr/>
-          <p:nvPr/>
-        </p:nvSpPr>
-        <p:spPr>
-          <a:xfrm>
-            <a:off x="1543050" y="1190625"/>
-            <a:ext cx="4010025" cy="5276850"/>
-          </a:xfrm>
-          <a:prstGeom prst="rect">
-            <a:avLst/>
-          </a:prstGeom>
-          <a:noFill/>
-        </p:spPr>
-        <p:style>
-          <a:lnRef idx="2">
-            <a:schemeClr val="accent1">
-              <a:shade val="50000"/>
-            </a:schemeClr>
-          </a:lnRef>
-          <a:fillRef idx="1">
-            <a:schemeClr val="accent1"/>
-          </a:fillRef>
-          <a:effectRef idx="0">
-            <a:schemeClr val="accent1"/>
-          </a:effectRef>
-          <a:fontRef idx="minor">
-            <a:schemeClr val="lt1"/>
-          </a:fontRef>
-        </p:style>
-        <p:txBody>
-          <a:bodyPr rtlCol="0" anchor="ctr"/>
-          <a:lstStyle/>
-          <a:p>
-            <a:pPr algn="ctr"/>
-            <a:endParaRPr lang="en-US"/>
-          </a:p>
-        </p:txBody>
-      </p:sp>
-      <p:sp>
-        <p:nvSpPr>
-          <p:cNvPr id="8" name="TextBox 7">
-            <a:extLst>
-              <a:ext uri="{FF2B5EF4-FFF2-40B4-BE49-F238E27FC236}">
-                <a16:creationId xmlns:a16="http://schemas.microsoft.com/office/drawing/2014/main" id="{94397341-3126-4C22-9D0C-7ED83E424A9B}"/>
-              </a:ext>
-            </a:extLst>
-          </p:cNvPr>
-          <p:cNvSpPr txBox="1"/>
-          <p:nvPr/>
-        </p:nvSpPr>
-        <p:spPr>
-          <a:xfrm>
-            <a:off x="2267902" y="1190625"/>
-            <a:ext cx="2560320" cy="369332"/>
-          </a:xfrm>
-          <a:prstGeom prst="rect">
-            <a:avLst/>
-          </a:prstGeom>
-          <a:noFill/>
-        </p:spPr>
-        <p:txBody>
-          <a:bodyPr wrap="square" rtlCol="0">
-            <a:spAutoFit/>
-          </a:bodyPr>
-          <a:lstStyle/>
-          <a:p>
-            <a:r>
-              <a:rPr lang="en-US" dirty="0"/>
-              <a:t>(Keeps the state of app)</a:t>
-            </a:r>
-          </a:p>
-        </p:txBody>
-      </p:sp>
-      <p:sp>
-        <p:nvSpPr>
-          <p:cNvPr id="9" name="TextBox 8">
-            <a:extLst>
-              <a:ext uri="{FF2B5EF4-FFF2-40B4-BE49-F238E27FC236}">
-                <a16:creationId xmlns:a16="http://schemas.microsoft.com/office/drawing/2014/main" id="{A76F15A3-7332-4B18-A44A-BBB2C8A8F305}"/>
-              </a:ext>
-            </a:extLst>
-          </p:cNvPr>
-          <p:cNvSpPr txBox="1"/>
-          <p:nvPr/>
-        </p:nvSpPr>
-        <p:spPr>
-          <a:xfrm>
-            <a:off x="1657350" y="1797725"/>
-            <a:ext cx="3543300" cy="2031325"/>
-          </a:xfrm>
-          <a:prstGeom prst="rect">
-            <a:avLst/>
-          </a:prstGeom>
-          <a:noFill/>
-        </p:spPr>
-        <p:txBody>
-          <a:bodyPr wrap="square" rtlCol="0">
-            <a:spAutoFit/>
-          </a:bodyPr>
-          <a:lstStyle/>
-          <a:p>
-            <a:r>
-              <a:rPr lang="en-US" dirty="0" err="1"/>
-              <a:t>CSlideShow</a:t>
-            </a:r>
-            <a:endParaRPr lang="en-US" dirty="0"/>
-          </a:p>
-          <a:p>
-            <a:r>
-              <a:rPr lang="en-US" dirty="0" err="1"/>
-              <a:t>CurrentSlideIndex</a:t>
-            </a:r>
-            <a:endParaRPr lang="en-US" dirty="0"/>
-          </a:p>
-          <a:p>
-            <a:r>
-              <a:rPr lang="en-US" dirty="0" err="1"/>
-              <a:t>CurrentTool</a:t>
-            </a:r>
-            <a:endParaRPr lang="en-US" dirty="0"/>
-          </a:p>
-          <a:p>
-            <a:r>
-              <a:rPr lang="en-US" dirty="0" err="1"/>
-              <a:t>CurrentSize</a:t>
-            </a:r>
-            <a:endParaRPr lang="en-US" dirty="0"/>
-          </a:p>
-          <a:p>
-            <a:r>
-              <a:rPr lang="en-US" dirty="0"/>
-              <a:t>. . . </a:t>
-            </a:r>
-          </a:p>
-          <a:p>
-            <a:r>
-              <a:rPr lang="en-US" dirty="0"/>
-              <a:t>. . .</a:t>
-            </a:r>
-          </a:p>
-          <a:p>
-            <a:r>
-              <a:rPr lang="en-US" dirty="0"/>
-              <a:t>. . .</a:t>
-            </a:r>
-          </a:p>
-        </p:txBody>
-      </p:sp>
+        </p:grpSpPr>
+        <p:sp>
+          <p:nvSpPr>
+            <p:cNvPr id="4" name="TextBox 3">
+              <a:extLst>
+                <a:ext uri="{FF2B5EF4-FFF2-40B4-BE49-F238E27FC236}">
+                  <a16:creationId xmlns:a16="http://schemas.microsoft.com/office/drawing/2014/main" id="{CC1705C5-FCB5-44DC-9606-9C737DFA5581}"/>
+                </a:ext>
+              </a:extLst>
+            </p:cNvPr>
+            <p:cNvSpPr txBox="1"/>
+            <p:nvPr/>
+          </p:nvSpPr>
+          <p:spPr>
+            <a:xfrm>
+              <a:off x="1543050" y="685800"/>
+              <a:ext cx="3019425" cy="369332"/>
+            </a:xfrm>
+            <a:prstGeom prst="rect">
+              <a:avLst/>
+            </a:prstGeom>
+            <a:noFill/>
+          </p:spPr>
+          <p:txBody>
+            <a:bodyPr wrap="square" rtlCol="0">
+              <a:spAutoFit/>
+            </a:bodyPr>
+            <a:lstStyle/>
+            <a:p>
+              <a:r>
+                <a:rPr lang="en-US" dirty="0" err="1"/>
+                <a:t>PwPtDocument</a:t>
+              </a:r>
+              <a:endParaRPr lang="en-US" dirty="0"/>
+            </a:p>
+          </p:txBody>
+        </p:sp>
+        <p:sp>
+          <p:nvSpPr>
+            <p:cNvPr id="5" name="Rectangle 4">
+              <a:extLst>
+                <a:ext uri="{FF2B5EF4-FFF2-40B4-BE49-F238E27FC236}">
+                  <a16:creationId xmlns:a16="http://schemas.microsoft.com/office/drawing/2014/main" id="{48A421E3-76D8-45E2-B367-9E63D2B7B97C}"/>
+                </a:ext>
+              </a:extLst>
+            </p:cNvPr>
+            <p:cNvSpPr/>
+            <p:nvPr/>
+          </p:nvSpPr>
+          <p:spPr>
+            <a:xfrm>
+              <a:off x="1543050" y="1190625"/>
+              <a:ext cx="4010025" cy="5276850"/>
+            </a:xfrm>
+            <a:prstGeom prst="rect">
+              <a:avLst/>
+            </a:prstGeom>
+            <a:noFill/>
+          </p:spPr>
+          <p:style>
+            <a:lnRef idx="2">
+              <a:schemeClr val="accent1">
+                <a:shade val="50000"/>
+              </a:schemeClr>
+            </a:lnRef>
+            <a:fillRef idx="1">
+              <a:schemeClr val="accent1"/>
+            </a:fillRef>
+            <a:effectRef idx="0">
+              <a:schemeClr val="accent1"/>
+            </a:effectRef>
+            <a:fontRef idx="minor">
+              <a:schemeClr val="lt1"/>
+            </a:fontRef>
+          </p:style>
+          <p:txBody>
+            <a:bodyPr rtlCol="0" anchor="ctr"/>
+            <a:lstStyle/>
+            <a:p>
+              <a:pPr algn="ctr"/>
+              <a:r>
+                <a:rPr lang="en-US" dirty="0">
+                  <a:solidFill>
+                    <a:schemeClr val="tx1"/>
+                  </a:solidFill>
+                </a:rPr>
+                <a:t>(Keeps the state of app)</a:t>
+              </a:r>
+            </a:p>
+            <a:p>
+              <a:endParaRPr lang="en-US" dirty="0">
+                <a:solidFill>
+                  <a:schemeClr val="tx1"/>
+                </a:solidFill>
+              </a:endParaRPr>
+            </a:p>
+            <a:p>
+              <a:endParaRPr lang="en-US" dirty="0">
+                <a:solidFill>
+                  <a:schemeClr val="tx1"/>
+                </a:solidFill>
+              </a:endParaRPr>
+            </a:p>
+            <a:p>
+              <a:r>
+                <a:rPr lang="en-US" dirty="0" err="1">
+                  <a:solidFill>
+                    <a:schemeClr val="tx1"/>
+                  </a:solidFill>
+                </a:rPr>
+                <a:t>CSlideShow</a:t>
+              </a:r>
+              <a:endParaRPr lang="en-US" dirty="0">
+                <a:solidFill>
+                  <a:schemeClr val="tx1"/>
+                </a:solidFill>
+              </a:endParaRPr>
+            </a:p>
+            <a:p>
+              <a:r>
+                <a:rPr lang="en-US" dirty="0" err="1">
+                  <a:solidFill>
+                    <a:schemeClr val="tx1"/>
+                  </a:solidFill>
+                </a:rPr>
+                <a:t>CurrentSlideIndex</a:t>
+              </a:r>
+              <a:endParaRPr lang="en-US" dirty="0">
+                <a:solidFill>
+                  <a:schemeClr val="tx1"/>
+                </a:solidFill>
+              </a:endParaRPr>
+            </a:p>
+            <a:p>
+              <a:r>
+                <a:rPr lang="en-US" dirty="0" err="1">
+                  <a:solidFill>
+                    <a:schemeClr val="tx1"/>
+                  </a:solidFill>
+                </a:rPr>
+                <a:t>CurrentTool</a:t>
+              </a:r>
+              <a:endParaRPr lang="en-US" dirty="0">
+                <a:solidFill>
+                  <a:schemeClr val="tx1"/>
+                </a:solidFill>
+              </a:endParaRPr>
+            </a:p>
+            <a:p>
+              <a:r>
+                <a:rPr lang="en-US" dirty="0" err="1">
+                  <a:solidFill>
+                    <a:schemeClr val="tx1"/>
+                  </a:solidFill>
+                </a:rPr>
+                <a:t>CurrentSize</a:t>
+              </a:r>
+              <a:endParaRPr lang="en-US" dirty="0">
+                <a:solidFill>
+                  <a:schemeClr val="tx1"/>
+                </a:solidFill>
+              </a:endParaRPr>
+            </a:p>
+            <a:p>
+              <a:r>
+                <a:rPr lang="en-US" dirty="0">
+                  <a:solidFill>
+                    <a:schemeClr val="tx1"/>
+                  </a:solidFill>
+                </a:rPr>
+                <a:t>. . . </a:t>
+              </a:r>
+            </a:p>
+            <a:p>
+              <a:r>
+                <a:rPr lang="en-US" dirty="0">
+                  <a:solidFill>
+                    <a:schemeClr val="tx1"/>
+                  </a:solidFill>
+                </a:rPr>
+                <a:t>. . .</a:t>
+              </a:r>
+            </a:p>
+            <a:p>
+              <a:r>
+                <a:rPr lang="en-US" dirty="0">
+                  <a:solidFill>
+                    <a:schemeClr val="tx1"/>
+                  </a:solidFill>
+                </a:rPr>
+                <a:t>. . .</a:t>
+              </a:r>
+            </a:p>
+            <a:p>
+              <a:endParaRPr lang="en-US" dirty="0">
+                <a:solidFill>
+                  <a:schemeClr val="tx1"/>
+                </a:solidFill>
+              </a:endParaRPr>
+            </a:p>
+            <a:p>
+              <a:endParaRPr lang="en-US" dirty="0">
+                <a:solidFill>
+                  <a:schemeClr val="tx1"/>
+                </a:solidFill>
+              </a:endParaRPr>
+            </a:p>
+            <a:p>
+              <a:endParaRPr lang="en-US" dirty="0">
+                <a:solidFill>
+                  <a:schemeClr val="tx1"/>
+                </a:solidFill>
+              </a:endParaRPr>
+            </a:p>
+            <a:p>
+              <a:endParaRPr lang="en-US" dirty="0">
+                <a:solidFill>
+                  <a:schemeClr val="tx1"/>
+                </a:solidFill>
+              </a:endParaRPr>
+            </a:p>
+            <a:p>
+              <a:endParaRPr lang="en-US" dirty="0">
+                <a:solidFill>
+                  <a:schemeClr val="tx1"/>
+                </a:solidFill>
+              </a:endParaRPr>
+            </a:p>
+            <a:p>
+              <a:endParaRPr lang="en-US" dirty="0">
+                <a:solidFill>
+                  <a:schemeClr val="tx1"/>
+                </a:solidFill>
+              </a:endParaRPr>
+            </a:p>
+            <a:p>
+              <a:endParaRPr lang="en-US" dirty="0">
+                <a:solidFill>
+                  <a:schemeClr val="tx1"/>
+                </a:solidFill>
+              </a:endParaRPr>
+            </a:p>
+            <a:p>
+              <a:endParaRPr lang="en-US" dirty="0">
+                <a:solidFill>
+                  <a:schemeClr val="tx1"/>
+                </a:solidFill>
+              </a:endParaRPr>
+            </a:p>
+            <a:p>
+              <a:endParaRPr lang="en-US" dirty="0"/>
+            </a:p>
+          </p:txBody>
+        </p:sp>
+      </p:grpSp>
     </p:spTree>
     <p:extLst>
       <p:ext uri="{BB962C8B-B14F-4D97-AF65-F5344CB8AC3E}">
@@ -3752,10 +3833,10 @@
       </p:sp>
       <p:sp>
         <p:nvSpPr>
-          <p:cNvPr id="10" name="Rectangle 9">
-            <a:extLst>
-              <a:ext uri="{FF2B5EF4-FFF2-40B4-BE49-F238E27FC236}">
-                <a16:creationId xmlns:a16="http://schemas.microsoft.com/office/drawing/2014/main" id="{1445D8E1-B674-43AC-BB1C-967C8A1769D6}"/>
+          <p:cNvPr id="13" name="Oval 12">
+            <a:extLst>
+              <a:ext uri="{FF2B5EF4-FFF2-40B4-BE49-F238E27FC236}">
+                <a16:creationId xmlns:a16="http://schemas.microsoft.com/office/drawing/2014/main" id="{E01E6B26-5439-4549-AADC-B188A96B9804}"/>
               </a:ext>
             </a:extLst>
           </p:cNvPr>
@@ -3764,49 +3845,8 @@
         </p:nvSpPr>
         <p:spPr>
           <a:xfrm>
-            <a:off x="7495673" y="2958881"/>
-            <a:ext cx="3517230" cy="923330"/>
-          </a:xfrm>
-          <a:prstGeom prst="rect">
-            <a:avLst/>
-          </a:prstGeom>
-        </p:spPr>
-        <p:txBody>
-          <a:bodyPr wrap="square">
-            <a:spAutoFit/>
-          </a:bodyPr>
-          <a:lstStyle/>
-          <a:p>
-            <a:r>
-              <a:rPr lang="en-US" dirty="0" err="1"/>
-              <a:t>CTaskMachine</a:t>
-            </a:r>
-            <a:endParaRPr lang="en-US" dirty="0"/>
-          </a:p>
-          <a:p>
-            <a:r>
-              <a:rPr lang="en-US" dirty="0"/>
-              <a:t>	(listen if any task created  run it)</a:t>
-            </a:r>
-          </a:p>
-        </p:txBody>
-      </p:sp>
-      <p:sp>
-        <p:nvSpPr>
-          <p:cNvPr id="13" name="Oval 12">
-            <a:extLst>
-              <a:ext uri="{FF2B5EF4-FFF2-40B4-BE49-F238E27FC236}">
-                <a16:creationId xmlns:a16="http://schemas.microsoft.com/office/drawing/2014/main" id="{E01E6B26-5439-4549-AADC-B188A96B9804}"/>
-              </a:ext>
-            </a:extLst>
-          </p:cNvPr>
-          <p:cNvSpPr/>
-          <p:nvPr/>
-        </p:nvSpPr>
-        <p:spPr>
-          <a:xfrm>
-            <a:off x="6301537" y="582940"/>
-            <a:ext cx="4181979" cy="1321263"/>
+            <a:off x="5259672" y="232203"/>
+            <a:ext cx="5383440" cy="1544798"/>
           </a:xfrm>
           <a:prstGeom prst="ellipse">
             <a:avLst/>
@@ -3839,21 +3879,7 @@
           <a:p>
             <a:r>
               <a:rPr lang="en-US" dirty="0"/>
-              <a:t>	(parse, </a:t>
-            </a:r>
-          </a:p>
-          <a:p>
-            <a:r>
-              <a:rPr lang="en-US" dirty="0"/>
-              <a:t>	create </a:t>
-            </a:r>
-            <a:r>
-              <a:rPr lang="en-US" dirty="0" err="1"/>
-              <a:t>CCommand</a:t>
-            </a:r>
-            <a:r>
-              <a:rPr lang="en-US" dirty="0"/>
-              <a:t>)</a:t>
+              <a:t>	(parse and give command)</a:t>
             </a:r>
           </a:p>
         </p:txBody>
@@ -3872,8 +3898,8 @@
         </p:nvSpPr>
         <p:spPr>
           <a:xfrm>
-            <a:off x="7063539" y="2482516"/>
-            <a:ext cx="4026568" cy="1892968"/>
+            <a:off x="7089924" y="4427767"/>
+            <a:ext cx="4621439" cy="2322949"/>
           </a:xfrm>
           <a:prstGeom prst="ellipse">
             <a:avLst/>
@@ -3900,8 +3926,45 @@
           <a:bodyPr rtlCol="0" anchor="ctr"/>
           <a:lstStyle/>
           <a:p>
-            <a:pPr algn="ctr"/>
-            <a:endParaRPr lang="en-US"/>
+            <a:r>
+              <a:rPr lang="en-US" dirty="0" err="1">
+                <a:solidFill>
+                  <a:schemeClr val="tx1"/>
+                </a:solidFill>
+              </a:rPr>
+              <a:t>CActionMachine</a:t>
+            </a:r>
+            <a:endParaRPr lang="en-US" dirty="0">
+              <a:solidFill>
+                <a:schemeClr val="tx1"/>
+              </a:solidFill>
+            </a:endParaRPr>
+          </a:p>
+          <a:p>
+            <a:r>
+              <a:rPr lang="en-US" dirty="0">
+                <a:solidFill>
+                  <a:schemeClr val="tx1"/>
+                </a:solidFill>
+              </a:rPr>
+              <a:t>	(if any CAction 	created  run it and 	keeps </a:t>
+            </a:r>
+            <a:r>
+              <a:rPr lang="en-US" dirty="0" err="1">
+                <a:solidFill>
+                  <a:schemeClr val="tx1"/>
+                </a:solidFill>
+              </a:rPr>
+              <a:t>CActions</a:t>
+            </a:r>
+            <a:r>
+              <a:rPr lang="en-US" dirty="0">
+                <a:solidFill>
+                  <a:schemeClr val="tx1"/>
+                </a:solidFill>
+              </a:rPr>
+              <a:t>)</a:t>
+            </a:r>
           </a:p>
         </p:txBody>
       </p:sp>
@@ -3916,15 +3979,15 @@
           </p:cNvPr>
           <p:cNvCxnSpPr>
             <a:cxnSpLocks/>
-            <a:stCxn id="13" idx="3"/>
-            <a:endCxn id="3" idx="0"/>
+            <a:stCxn id="3" idx="0"/>
+            <a:endCxn id="13" idx="3"/>
           </p:cNvCxnSpPr>
           <p:nvPr/>
         </p:nvCxnSpPr>
         <p:spPr>
-          <a:xfrm flipH="1">
-            <a:off x="2375179" y="1710709"/>
-            <a:ext cx="4538795" cy="1260993"/>
+          <a:xfrm flipV="1">
+            <a:off x="2375179" y="1550771"/>
+            <a:ext cx="3672880" cy="1420931"/>
           </a:xfrm>
           <a:prstGeom prst="straightConnector1">
             <a:avLst/>
@@ -3959,15 +4022,15 @@
           </p:cNvPr>
           <p:cNvCxnSpPr>
             <a:cxnSpLocks/>
-            <a:stCxn id="14" idx="1"/>
-            <a:endCxn id="5" idx="3"/>
+            <a:stCxn id="5" idx="3"/>
+            <a:endCxn id="14" idx="1"/>
           </p:cNvCxnSpPr>
           <p:nvPr/>
         </p:nvCxnSpPr>
         <p:spPr>
-          <a:xfrm flipH="1">
-            <a:off x="2585785" y="2759735"/>
-            <a:ext cx="5067431" cy="696843"/>
+          <a:xfrm>
+            <a:off x="2752627" y="3820994"/>
+            <a:ext cx="5014091" cy="946961"/>
           </a:xfrm>
           <a:prstGeom prst="straightConnector1">
             <a:avLst/>
@@ -4040,8 +4103,8 @@
         </p:nvSpPr>
         <p:spPr>
           <a:xfrm>
-            <a:off x="1649310" y="3333467"/>
-            <a:ext cx="936475" cy="246221"/>
+            <a:off x="1711957" y="3697883"/>
+            <a:ext cx="1040670" cy="246221"/>
           </a:xfrm>
           <a:prstGeom prst="rect">
             <a:avLst/>
@@ -4055,7 +4118,7 @@
           <a:p>
             <a:r>
               <a:rPr lang="en-US" sz="1000" dirty="0" err="1"/>
-              <a:t>CTaskMachine</a:t>
+              <a:t>CActionMachine</a:t>
             </a:r>
             <a:endParaRPr lang="en-US" sz="1000" dirty="0"/>
           </a:p>
@@ -4063,10 +4126,10 @@
       </p:sp>
       <p:sp>
         <p:nvSpPr>
-          <p:cNvPr id="9" name="Rectangle 8">
-            <a:extLst>
-              <a:ext uri="{FF2B5EF4-FFF2-40B4-BE49-F238E27FC236}">
-                <a16:creationId xmlns:a16="http://schemas.microsoft.com/office/drawing/2014/main" id="{DF0FAF2E-7CB3-4C80-830F-1B909226F689}"/>
+          <p:cNvPr id="11" name="Rectangle 10">
+            <a:extLst>
+              <a:ext uri="{FF2B5EF4-FFF2-40B4-BE49-F238E27FC236}">
+                <a16:creationId xmlns:a16="http://schemas.microsoft.com/office/drawing/2014/main" id="{6F7CF575-1EBD-4785-9829-0B3C10BC5810}"/>
               </a:ext>
             </a:extLst>
           </p:cNvPr>
@@ -4075,47 +4138,8 @@
         </p:nvSpPr>
         <p:spPr>
           <a:xfrm>
-            <a:off x="8611284" y="3938487"/>
-            <a:ext cx="1436612" cy="261610"/>
-          </a:xfrm>
-          <a:prstGeom prst="rect">
-            <a:avLst/>
-          </a:prstGeom>
-        </p:spPr>
-        <p:txBody>
-          <a:bodyPr wrap="none">
-            <a:spAutoFit/>
-          </a:bodyPr>
-          <a:lstStyle/>
-          <a:p>
-            <a:r>
-              <a:rPr lang="en-US" sz="1100" dirty="0"/>
-              <a:t>Contains </a:t>
-            </a:r>
-            <a:r>
-              <a:rPr lang="en-US" sz="1100" dirty="0" err="1"/>
-              <a:t>ActionsStack</a:t>
-            </a:r>
-            <a:endParaRPr lang="en-US" sz="1100" dirty="0"/>
-          </a:p>
-        </p:txBody>
-      </p:sp>
-      <p:sp>
-        <p:nvSpPr>
-          <p:cNvPr id="11" name="Rectangle 10">
-            <a:extLst>
-              <a:ext uri="{FF2B5EF4-FFF2-40B4-BE49-F238E27FC236}">
-                <a16:creationId xmlns:a16="http://schemas.microsoft.com/office/drawing/2014/main" id="{6F7CF575-1EBD-4785-9829-0B3C10BC5810}"/>
-              </a:ext>
-            </a:extLst>
-          </p:cNvPr>
-          <p:cNvSpPr/>
-          <p:nvPr/>
-        </p:nvSpPr>
-        <p:spPr>
-          <a:xfrm>
-            <a:off x="8611284" y="3938487"/>
-            <a:ext cx="1382110" cy="261610"/>
+            <a:off x="8778347" y="6279392"/>
+            <a:ext cx="1520448" cy="354591"/>
           </a:xfrm>
           <a:prstGeom prst="rect">
             <a:avLst/>
@@ -4143,7 +4167,27 @@
           <a:lstStyle/>
           <a:p>
             <a:pPr algn="ctr"/>
-            <a:endParaRPr lang="en-US"/>
+            <a:r>
+              <a:rPr lang="en-US" sz="1050" dirty="0">
+                <a:solidFill>
+                  <a:schemeClr val="tx1"/>
+                </a:solidFill>
+              </a:rPr>
+              <a:t>Contains </a:t>
+            </a:r>
+            <a:r>
+              <a:rPr lang="en-US" sz="1050" dirty="0" err="1">
+                <a:solidFill>
+                  <a:schemeClr val="tx1"/>
+                </a:solidFill>
+              </a:rPr>
+              <a:t>ActionsStacks</a:t>
+            </a:r>
+            <a:endParaRPr lang="en-US" sz="1050" dirty="0">
+              <a:solidFill>
+                <a:schemeClr val="tx1"/>
+              </a:solidFill>
+            </a:endParaRPr>
           </a:p>
         </p:txBody>
       </p:sp>
@@ -4270,6 +4314,427 @@
           </a:fontRef>
         </p:style>
       </p:cxnSp>
+      <p:graphicFrame>
+        <p:nvGraphicFramePr>
+          <p:cNvPr id="37" name="Table 8">
+            <a:extLst>
+              <a:ext uri="{FF2B5EF4-FFF2-40B4-BE49-F238E27FC236}">
+                <a16:creationId xmlns:a16="http://schemas.microsoft.com/office/drawing/2014/main" id="{FA8F616B-93A7-4732-A701-2ACF25E6AC18}"/>
+              </a:ext>
+            </a:extLst>
+          </p:cNvPr>
+          <p:cNvGraphicFramePr>
+            <a:graphicFrameLocks noGrp="1"/>
+          </p:cNvGraphicFramePr>
+          <p:nvPr>
+            <p:extLst>
+              <p:ext uri="{D42A27DB-BD31-4B8C-83A1-F6EECF244321}">
+                <p14:modId xmlns:p14="http://schemas.microsoft.com/office/powerpoint/2010/main" val="2912502575"/>
+              </p:ext>
+            </p:extLst>
+          </p:nvPr>
+        </p:nvGraphicFramePr>
+        <p:xfrm>
+          <a:off x="8654020" y="2935831"/>
+          <a:ext cx="2554134" cy="1132248"/>
+        </p:xfrm>
+        <a:graphic>
+          <a:graphicData uri="http://schemas.openxmlformats.org/drawingml/2006/table">
+            <a:tbl>
+              <a:tblPr firstRow="1" bandRow="1">
+                <a:tableStyleId>{5C22544A-7EE6-4342-B048-85BDC9FD1C3A}</a:tableStyleId>
+              </a:tblPr>
+              <a:tblGrid>
+                <a:gridCol w="1277067">
+                  <a:extLst>
+                    <a:ext uri="{9D8B030D-6E8A-4147-A177-3AD203B41FA5}">
+                      <a16:colId xmlns:a16="http://schemas.microsoft.com/office/drawing/2014/main" val="4207302290"/>
+                    </a:ext>
+                  </a:extLst>
+                </a:gridCol>
+                <a:gridCol w="1277067">
+                  <a:extLst>
+                    <a:ext uri="{9D8B030D-6E8A-4147-A177-3AD203B41FA5}">
+                      <a16:colId xmlns:a16="http://schemas.microsoft.com/office/drawing/2014/main" val="4048285080"/>
+                    </a:ext>
+                  </a:extLst>
+                </a:gridCol>
+              </a:tblGrid>
+              <a:tr h="265483">
+                <a:tc>
+                  <a:txBody>
+                    <a:bodyPr/>
+                    <a:lstStyle/>
+                    <a:p>
+                      <a:pPr algn="ctr"/>
+                      <a:r>
+                        <a:rPr lang="en-US" sz="1400" dirty="0"/>
+                        <a:t>Creates action</a:t>
+                      </a:r>
+                    </a:p>
+                  </a:txBody>
+                  <a:tcPr marL="69703" marR="69703" marT="34851" marB="34851"/>
+                </a:tc>
+                <a:tc>
+                  <a:txBody>
+                    <a:bodyPr/>
+                    <a:lstStyle/>
+                    <a:p>
+                      <a:pPr algn="ctr"/>
+                      <a:r>
+                        <a:rPr lang="en-US" sz="1400" dirty="0"/>
+                        <a:t>Other</a:t>
+                      </a:r>
+                    </a:p>
+                  </a:txBody>
+                  <a:tcPr marL="69703" marR="69703" marT="34851" marB="34851"/>
+                </a:tc>
+                <a:extLst>
+                  <a:ext uri="{0D108BD9-81ED-4DB2-BD59-A6C34878D82A}">
+                    <a16:rowId xmlns:a16="http://schemas.microsoft.com/office/drawing/2014/main" val="355288908"/>
+                  </a:ext>
+                </a:extLst>
+              </a:tr>
+              <a:tr h="265120">
+                <a:tc>
+                  <a:txBody>
+                    <a:bodyPr/>
+                    <a:lstStyle/>
+                    <a:p>
+                      <a:r>
+                        <a:rPr lang="en-US" sz="1400" b="0" dirty="0"/>
+                        <a:t>draw</a:t>
+                      </a:r>
+                    </a:p>
+                  </a:txBody>
+                  <a:tcPr marL="69703" marR="69703" marT="34851" marB="34851"/>
+                </a:tc>
+                <a:tc>
+                  <a:txBody>
+                    <a:bodyPr/>
+                    <a:lstStyle/>
+                    <a:p>
+                      <a:pPr marL="0" marR="0" lvl="0" indent="0" algn="l" defTabSz="914400" rtl="0" eaLnBrk="1" fontAlgn="auto" latinLnBrk="0" hangingPunct="1">
+                        <a:lnSpc>
+                          <a:spcPct val="100000"/>
+                        </a:lnSpc>
+                        <a:spcBef>
+                          <a:spcPts val="0"/>
+                        </a:spcBef>
+                        <a:spcAft>
+                          <a:spcPts val="0"/>
+                        </a:spcAft>
+                        <a:buClrTx/>
+                        <a:buSzTx/>
+                        <a:buFontTx/>
+                        <a:buNone/>
+                        <a:tabLst/>
+                        <a:defRPr/>
+                      </a:pPr>
+                      <a:r>
+                        <a:rPr lang="en-US" sz="1400" b="0" dirty="0"/>
+                        <a:t>gives any info </a:t>
+                      </a:r>
+                    </a:p>
+                  </a:txBody>
+                  <a:tcPr marL="69703" marR="69703" marT="34851" marB="34851"/>
+                </a:tc>
+                <a:extLst>
+                  <a:ext uri="{0D108BD9-81ED-4DB2-BD59-A6C34878D82A}">
+                    <a16:rowId xmlns:a16="http://schemas.microsoft.com/office/drawing/2014/main" val="1709558864"/>
+                  </a:ext>
+                </a:extLst>
+              </a:tr>
+              <a:tr h="265120">
+                <a:tc>
+                  <a:txBody>
+                    <a:bodyPr/>
+                    <a:lstStyle/>
+                    <a:p>
+                      <a:r>
+                        <a:rPr lang="en-US" sz="1400" b="0" dirty="0"/>
+                        <a:t>add</a:t>
+                      </a:r>
+                    </a:p>
+                  </a:txBody>
+                  <a:tcPr marL="69703" marR="69703" marT="34851" marB="34851"/>
+                </a:tc>
+                <a:tc>
+                  <a:txBody>
+                    <a:bodyPr/>
+                    <a:lstStyle/>
+                    <a:p>
+                      <a:pPr marL="0" marR="0" lvl="0" indent="0" algn="l" defTabSz="914400" rtl="0" eaLnBrk="1" fontAlgn="auto" latinLnBrk="0" hangingPunct="1">
+                        <a:lnSpc>
+                          <a:spcPct val="100000"/>
+                        </a:lnSpc>
+                        <a:spcBef>
+                          <a:spcPts val="0"/>
+                        </a:spcBef>
+                        <a:spcAft>
+                          <a:spcPts val="0"/>
+                        </a:spcAft>
+                        <a:buClrTx/>
+                        <a:buSzTx/>
+                        <a:buFontTx/>
+                        <a:buNone/>
+                        <a:tabLst/>
+                        <a:defRPr/>
+                      </a:pPr>
+                      <a:r>
+                        <a:rPr lang="en-US" sz="1400" b="0" dirty="0"/>
+                        <a:t>. . .</a:t>
+                      </a:r>
+                    </a:p>
+                  </a:txBody>
+                  <a:tcPr marL="69703" marR="69703" marT="34851" marB="34851"/>
+                </a:tc>
+                <a:extLst>
+                  <a:ext uri="{0D108BD9-81ED-4DB2-BD59-A6C34878D82A}">
+                    <a16:rowId xmlns:a16="http://schemas.microsoft.com/office/drawing/2014/main" val="2285325284"/>
+                  </a:ext>
+                </a:extLst>
+              </a:tr>
+              <a:tr h="265120">
+                <a:tc>
+                  <a:txBody>
+                    <a:bodyPr/>
+                    <a:lstStyle/>
+                    <a:p>
+                      <a:r>
+                        <a:rPr lang="en-US" sz="1400" b="0" dirty="0"/>
+                        <a:t> . . .</a:t>
+                      </a:r>
+                    </a:p>
+                  </a:txBody>
+                  <a:tcPr marL="69703" marR="69703" marT="34851" marB="34851"/>
+                </a:tc>
+                <a:tc>
+                  <a:txBody>
+                    <a:bodyPr/>
+                    <a:lstStyle/>
+                    <a:p>
+                      <a:r>
+                        <a:rPr lang="en-US" sz="1400" b="0" dirty="0"/>
+                        <a:t>. . .</a:t>
+                      </a:r>
+                    </a:p>
+                  </a:txBody>
+                  <a:tcPr marL="69703" marR="69703" marT="34851" marB="34851"/>
+                </a:tc>
+                <a:extLst>
+                  <a:ext uri="{0D108BD9-81ED-4DB2-BD59-A6C34878D82A}">
+                    <a16:rowId xmlns:a16="http://schemas.microsoft.com/office/drawing/2014/main" val="2454315275"/>
+                  </a:ext>
+                </a:extLst>
+              </a:tr>
+            </a:tbl>
+          </a:graphicData>
+        </a:graphic>
+      </p:graphicFrame>
+      <p:sp>
+        <p:nvSpPr>
+          <p:cNvPr id="38" name="Oval 37">
+            <a:extLst>
+              <a:ext uri="{FF2B5EF4-FFF2-40B4-BE49-F238E27FC236}">
+                <a16:creationId xmlns:a16="http://schemas.microsoft.com/office/drawing/2014/main" id="{8B39D182-F06D-4522-A4A3-D2A5A1CEEB6F}"/>
+              </a:ext>
+            </a:extLst>
+          </p:cNvPr>
+          <p:cNvSpPr/>
+          <p:nvPr/>
+        </p:nvSpPr>
+        <p:spPr>
+          <a:xfrm>
+            <a:off x="6420814" y="2187661"/>
+            <a:ext cx="5534480" cy="2186072"/>
+          </a:xfrm>
+          <a:prstGeom prst="ellipse">
+            <a:avLst/>
+          </a:prstGeom>
+          <a:noFill/>
+        </p:spPr>
+        <p:style>
+          <a:lnRef idx="2">
+            <a:schemeClr val="accent1">
+              <a:shade val="50000"/>
+            </a:schemeClr>
+          </a:lnRef>
+          <a:fillRef idx="1">
+            <a:schemeClr val="accent1"/>
+          </a:fillRef>
+          <a:effectRef idx="0">
+            <a:schemeClr val="accent1"/>
+          </a:effectRef>
+          <a:fontRef idx="minor">
+            <a:schemeClr val="lt1"/>
+          </a:fontRef>
+        </p:style>
+        <p:txBody>
+          <a:bodyPr rtlCol="0" anchor="ctr"/>
+          <a:lstStyle/>
+          <a:p>
+            <a:pPr algn="ctr"/>
+            <a:r>
+              <a:rPr lang="en-US" dirty="0" err="1">
+                <a:solidFill>
+                  <a:schemeClr val="tx1"/>
+                </a:solidFill>
+              </a:rPr>
+              <a:t>CCommandHandler</a:t>
+            </a:r>
+            <a:endParaRPr lang="en-US" dirty="0">
+              <a:solidFill>
+                <a:schemeClr val="tx1"/>
+              </a:solidFill>
+            </a:endParaRPr>
+          </a:p>
+          <a:p>
+            <a:pPr algn="ctr"/>
+            <a:r>
+              <a:rPr lang="en-US" dirty="0">
+                <a:solidFill>
+                  <a:schemeClr val="tx1"/>
+                </a:solidFill>
+              </a:rPr>
+              <a:t>(Run)</a:t>
+            </a:r>
+          </a:p>
+          <a:p>
+            <a:r>
+              <a:rPr lang="en-US" sz="1100" dirty="0">
+                <a:solidFill>
+                  <a:schemeClr val="tx1"/>
+                </a:solidFill>
+              </a:rPr>
+              <a:t>Have </a:t>
+            </a:r>
+            <a:r>
+              <a:rPr lang="en-US" sz="1100" dirty="0" err="1">
+                <a:solidFill>
+                  <a:schemeClr val="tx1"/>
+                </a:solidFill>
+              </a:rPr>
+              <a:t>CEditor</a:t>
+            </a:r>
+            <a:endParaRPr lang="en-US" sz="1100" dirty="0">
+              <a:solidFill>
+                <a:schemeClr val="tx1"/>
+              </a:solidFill>
+            </a:endParaRPr>
+          </a:p>
+          <a:p>
+            <a:pPr algn="ctr"/>
+            <a:endParaRPr lang="en-US" dirty="0">
+              <a:solidFill>
+                <a:schemeClr val="tx1"/>
+              </a:solidFill>
+            </a:endParaRPr>
+          </a:p>
+          <a:p>
+            <a:pPr algn="ctr"/>
+            <a:endParaRPr lang="en-US" dirty="0">
+              <a:solidFill>
+                <a:schemeClr val="tx1"/>
+              </a:solidFill>
+            </a:endParaRPr>
+          </a:p>
+          <a:p>
+            <a:pPr algn="ctr"/>
+            <a:endParaRPr lang="en-US" dirty="0">
+              <a:solidFill>
+                <a:schemeClr val="tx1"/>
+              </a:solidFill>
+            </a:endParaRPr>
+          </a:p>
+          <a:p>
+            <a:pPr algn="ctr"/>
+            <a:endParaRPr lang="en-US" dirty="0">
+              <a:solidFill>
+                <a:schemeClr val="tx1"/>
+              </a:solidFill>
+            </a:endParaRPr>
+          </a:p>
+        </p:txBody>
+      </p:sp>
+      <p:cxnSp>
+        <p:nvCxnSpPr>
+          <p:cNvPr id="41" name="Straight Arrow Connector 40">
+            <a:extLst>
+              <a:ext uri="{FF2B5EF4-FFF2-40B4-BE49-F238E27FC236}">
+                <a16:creationId xmlns:a16="http://schemas.microsoft.com/office/drawing/2014/main" id="{E33FCD42-25B0-4DFE-9AA7-59D280100006}"/>
+              </a:ext>
+            </a:extLst>
+          </p:cNvPr>
+          <p:cNvCxnSpPr>
+            <a:cxnSpLocks/>
+            <a:stCxn id="44" idx="3"/>
+            <a:endCxn id="38" idx="2"/>
+          </p:cNvCxnSpPr>
+          <p:nvPr/>
+        </p:nvCxnSpPr>
+        <p:spPr>
+          <a:xfrm flipV="1">
+            <a:off x="2916133" y="3280697"/>
+            <a:ext cx="3504681" cy="246221"/>
+          </a:xfrm>
+          <a:prstGeom prst="straightConnector1">
+            <a:avLst/>
+          </a:prstGeom>
+          <a:ln>
+            <a:tailEnd type="triangle"/>
+          </a:ln>
+        </p:spPr>
+        <p:style>
+          <a:lnRef idx="1">
+            <a:schemeClr val="accent1"/>
+          </a:lnRef>
+          <a:fillRef idx="0">
+            <a:schemeClr val="accent1"/>
+          </a:fillRef>
+          <a:effectRef idx="0">
+            <a:schemeClr val="accent1"/>
+          </a:effectRef>
+          <a:fontRef idx="minor">
+            <a:schemeClr val="tx1"/>
+          </a:fontRef>
+        </p:style>
+      </p:cxnSp>
+      <p:sp>
+        <p:nvSpPr>
+          <p:cNvPr id="44" name="Rectangle 43">
+            <a:extLst>
+              <a:ext uri="{FF2B5EF4-FFF2-40B4-BE49-F238E27FC236}">
+                <a16:creationId xmlns:a16="http://schemas.microsoft.com/office/drawing/2014/main" id="{56C9C6D2-354F-4560-98E2-AF2444863076}"/>
+              </a:ext>
+            </a:extLst>
+          </p:cNvPr>
+          <p:cNvSpPr/>
+          <p:nvPr/>
+        </p:nvSpPr>
+        <p:spPr>
+          <a:xfrm>
+            <a:off x="1711957" y="3403807"/>
+            <a:ext cx="1204176" cy="246221"/>
+          </a:xfrm>
+          <a:prstGeom prst="rect">
+            <a:avLst/>
+          </a:prstGeom>
+        </p:spPr>
+        <p:txBody>
+          <a:bodyPr wrap="none">
+            <a:spAutoFit/>
+          </a:bodyPr>
+          <a:lstStyle/>
+          <a:p>
+            <a:r>
+              <a:rPr lang="en-US" sz="1000" dirty="0" err="1"/>
+              <a:t>CCommandHandler</a:t>
+            </a:r>
+            <a:endParaRPr lang="en-US" sz="1000" dirty="0"/>
+          </a:p>
+        </p:txBody>
+      </p:sp>
     </p:spTree>
     <p:extLst>
       <p:ext uri="{BB962C8B-B14F-4D97-AF65-F5344CB8AC3E}">
@@ -4302,70 +4767,19 @@
       </p:grpSpPr>
       <p:sp>
         <p:nvSpPr>
-          <p:cNvPr id="5" name="TextBox 4">
-            <a:extLst>
-              <a:ext uri="{FF2B5EF4-FFF2-40B4-BE49-F238E27FC236}">
-                <a16:creationId xmlns:a16="http://schemas.microsoft.com/office/drawing/2014/main" id="{3A292DC7-00AE-4B5E-A93C-467B51F0AA7F}"/>
-              </a:ext>
-            </a:extLst>
-          </p:cNvPr>
-          <p:cNvSpPr txBox="1"/>
+          <p:cNvPr id="7" name="Oval 6">
+            <a:extLst>
+              <a:ext uri="{FF2B5EF4-FFF2-40B4-BE49-F238E27FC236}">
+                <a16:creationId xmlns:a16="http://schemas.microsoft.com/office/drawing/2014/main" id="{92D2DA6B-16F7-47D6-B05C-0993946441CD}"/>
+              </a:ext>
+            </a:extLst>
+          </p:cNvPr>
+          <p:cNvSpPr/>
           <p:nvPr/>
         </p:nvSpPr>
         <p:spPr>
           <a:xfrm>
-            <a:off x="6822691" y="752816"/>
-            <a:ext cx="3577389" cy="923330"/>
-          </a:xfrm>
-          <a:prstGeom prst="rect">
-            <a:avLst/>
-          </a:prstGeom>
-          <a:noFill/>
-        </p:spPr>
-        <p:txBody>
-          <a:bodyPr wrap="square" rtlCol="0">
-            <a:spAutoFit/>
-          </a:bodyPr>
-          <a:lstStyle/>
-          <a:p>
-            <a:pPr algn="ctr"/>
-            <a:r>
-              <a:rPr lang="en-US" dirty="0" err="1"/>
-              <a:t>CCommand</a:t>
-            </a:r>
-            <a:endParaRPr lang="en-US" dirty="0"/>
-          </a:p>
-          <a:p>
-            <a:pPr algn="ctr"/>
-            <a:r>
-              <a:rPr lang="en-US" dirty="0"/>
-              <a:t>Is created from the result of parsing</a:t>
-            </a:r>
-          </a:p>
-          <a:p>
-            <a:pPr algn="ctr"/>
-            <a:r>
-              <a:rPr lang="en-US" dirty="0"/>
-              <a:t>Run</a:t>
-            </a:r>
-          </a:p>
-        </p:txBody>
-      </p:sp>
-      <p:sp>
-        <p:nvSpPr>
-          <p:cNvPr id="7" name="Oval 6">
-            <a:extLst>
-              <a:ext uri="{FF2B5EF4-FFF2-40B4-BE49-F238E27FC236}">
-                <a16:creationId xmlns:a16="http://schemas.microsoft.com/office/drawing/2014/main" id="{92D2DA6B-16F7-47D6-B05C-0993946441CD}"/>
-              </a:ext>
-            </a:extLst>
-          </p:cNvPr>
-          <p:cNvSpPr/>
-          <p:nvPr/>
-        </p:nvSpPr>
-        <p:spPr>
-          <a:xfrm>
-            <a:off x="881062" y="4403424"/>
+            <a:off x="783786" y="4454411"/>
             <a:ext cx="6117996" cy="2018926"/>
           </a:xfrm>
           <a:prstGeom prst="ellipse">
@@ -4394,7 +4808,7 @@
           <a:lstStyle/>
           <a:p>
             <a:r>
-              <a:rPr lang="en-US" dirty="0" err="1">
+              <a:rPr lang="en-US" dirty="0">
                 <a:solidFill>
                   <a:srgbClr val="000000"/>
                 </a:solidFill>
@@ -4402,12 +4816,6 @@
               </a:rPr>
               <a:t>CAction</a:t>
             </a:r>
-            <a:endParaRPr lang="en-US" dirty="0">
-              <a:solidFill>
-                <a:srgbClr val="000000"/>
-              </a:solidFill>
-              <a:latin typeface="Roboto"/>
-            </a:endParaRPr>
           </a:p>
           <a:p>
             <a:r>
@@ -4443,292 +4851,31 @@
               </a:rPr>
               <a:t>this don’t know about user 	input’s content</a:t>
             </a:r>
-            <a:endParaRPr lang="en-US" dirty="0">
+          </a:p>
+          <a:p>
+            <a:r>
+              <a:rPr lang="en-US" sz="1200" dirty="0">
+                <a:solidFill>
+                  <a:schemeClr val="tx1"/>
+                </a:solidFill>
+                <a:latin typeface="Roboto"/>
+              </a:rPr>
+              <a:t>have </a:t>
+            </a:r>
+            <a:r>
+              <a:rPr lang="en-US" sz="1200" dirty="0" err="1">
+                <a:solidFill>
+                  <a:schemeClr val="tx1"/>
+                </a:solidFill>
+                <a:latin typeface="Roboto"/>
+              </a:rPr>
+              <a:t>CEditor</a:t>
+            </a:r>
+            <a:endParaRPr lang="en-US" sz="1200" dirty="0">
               <a:solidFill>
-                <a:srgbClr val="FF0000"/>
+                <a:schemeClr val="tx1"/>
               </a:solidFill>
             </a:endParaRPr>
-          </a:p>
-        </p:txBody>
-      </p:sp>
-      <p:graphicFrame>
-        <p:nvGraphicFramePr>
-          <p:cNvPr id="8" name="Table 8">
-            <a:extLst>
-              <a:ext uri="{FF2B5EF4-FFF2-40B4-BE49-F238E27FC236}">
-                <a16:creationId xmlns:a16="http://schemas.microsoft.com/office/drawing/2014/main" id="{EDC9DC3D-3481-4062-B4CD-AC2018DB227F}"/>
-              </a:ext>
-            </a:extLst>
-          </p:cNvPr>
-          <p:cNvGraphicFramePr>
-            <a:graphicFrameLocks noGrp="1"/>
-          </p:cNvGraphicFramePr>
-          <p:nvPr>
-            <p:extLst>
-              <p:ext uri="{D42A27DB-BD31-4B8C-83A1-F6EECF244321}">
-                <p14:modId xmlns:p14="http://schemas.microsoft.com/office/powerpoint/2010/main" val="3772691632"/>
-              </p:ext>
-            </p:extLst>
-          </p:nvPr>
-        </p:nvGraphicFramePr>
-        <p:xfrm>
-          <a:off x="6278251" y="1621962"/>
-          <a:ext cx="4637988" cy="2127295"/>
-        </p:xfrm>
-        <a:graphic>
-          <a:graphicData uri="http://schemas.openxmlformats.org/drawingml/2006/table">
-            <a:tbl>
-              <a:tblPr firstRow="1" bandRow="1">
-                <a:tableStyleId>{5C22544A-7EE6-4342-B048-85BDC9FD1C3A}</a:tableStyleId>
-              </a:tblPr>
-              <a:tblGrid>
-                <a:gridCol w="2318994">
-                  <a:extLst>
-                    <a:ext uri="{9D8B030D-6E8A-4147-A177-3AD203B41FA5}">
-                      <a16:colId xmlns:a16="http://schemas.microsoft.com/office/drawing/2014/main" val="4207302290"/>
-                    </a:ext>
-                  </a:extLst>
-                </a:gridCol>
-                <a:gridCol w="2318994">
-                  <a:extLst>
-                    <a:ext uri="{9D8B030D-6E8A-4147-A177-3AD203B41FA5}">
-                      <a16:colId xmlns:a16="http://schemas.microsoft.com/office/drawing/2014/main" val="4048285080"/>
-                    </a:ext>
-                  </a:extLst>
-                </a:gridCol>
-              </a:tblGrid>
-              <a:tr h="664255">
-                <a:tc>
-                  <a:txBody>
-                    <a:bodyPr/>
-                    <a:lstStyle/>
-                    <a:p>
-                      <a:pPr algn="ctr"/>
-                      <a:r>
-                        <a:rPr lang="en-US" dirty="0"/>
-                        <a:t>Create action</a:t>
-                      </a:r>
-                    </a:p>
-                  </a:txBody>
-                  <a:tcPr/>
-                </a:tc>
-                <a:tc>
-                  <a:txBody>
-                    <a:bodyPr/>
-                    <a:lstStyle/>
-                    <a:p>
-                      <a:pPr algn="ctr"/>
-                      <a:r>
-                        <a:rPr lang="en-US" dirty="0"/>
-                        <a:t>Other</a:t>
-                      </a:r>
-                    </a:p>
-                  </a:txBody>
-                  <a:tcPr/>
-                </a:tc>
-                <a:extLst>
-                  <a:ext uri="{0D108BD9-81ED-4DB2-BD59-A6C34878D82A}">
-                    <a16:rowId xmlns:a16="http://schemas.microsoft.com/office/drawing/2014/main" val="355288908"/>
-                  </a:ext>
-                </a:extLst>
-              </a:tr>
-              <a:tr h="335192">
-                <a:tc>
-                  <a:txBody>
-                    <a:bodyPr/>
-                    <a:lstStyle/>
-                    <a:p>
-                      <a:r>
-                        <a:rPr lang="en-US" dirty="0"/>
-                        <a:t>draw</a:t>
-                      </a:r>
-                    </a:p>
-                  </a:txBody>
-                  <a:tcPr/>
-                </a:tc>
-                <a:tc>
-                  <a:txBody>
-                    <a:bodyPr/>
-                    <a:lstStyle/>
-                    <a:p>
-                      <a:r>
-                        <a:rPr lang="en-US" dirty="0"/>
-                        <a:t>set tool</a:t>
-                      </a:r>
-                    </a:p>
-                  </a:txBody>
-                  <a:tcPr/>
-                </a:tc>
-                <a:extLst>
-                  <a:ext uri="{0D108BD9-81ED-4DB2-BD59-A6C34878D82A}">
-                    <a16:rowId xmlns:a16="http://schemas.microsoft.com/office/drawing/2014/main" val="1709558864"/>
-                  </a:ext>
-                </a:extLst>
-              </a:tr>
-              <a:tr h="335192">
-                <a:tc>
-                  <a:txBody>
-                    <a:bodyPr/>
-                    <a:lstStyle/>
-                    <a:p>
-                      <a:r>
-                        <a:rPr lang="en-US" dirty="0"/>
-                        <a:t>add</a:t>
-                      </a:r>
-                    </a:p>
-                  </a:txBody>
-                  <a:tcPr/>
-                </a:tc>
-                <a:tc>
-                  <a:txBody>
-                    <a:bodyPr/>
-                    <a:lstStyle/>
-                    <a:p>
-                      <a:r>
-                        <a:rPr lang="en-US" dirty="0"/>
-                        <a:t>set color</a:t>
-                      </a:r>
-                    </a:p>
-                  </a:txBody>
-                  <a:tcPr/>
-                </a:tc>
-                <a:extLst>
-                  <a:ext uri="{0D108BD9-81ED-4DB2-BD59-A6C34878D82A}">
-                    <a16:rowId xmlns:a16="http://schemas.microsoft.com/office/drawing/2014/main" val="2285325284"/>
-                  </a:ext>
-                </a:extLst>
-              </a:tr>
-              <a:tr h="335192">
-                <a:tc>
-                  <a:txBody>
-                    <a:bodyPr/>
-                    <a:lstStyle/>
-                    <a:p>
-                      <a:r>
-                        <a:rPr lang="en-US" dirty="0"/>
-                        <a:t>move</a:t>
-                      </a:r>
-                    </a:p>
-                  </a:txBody>
-                  <a:tcPr/>
-                </a:tc>
-                <a:tc>
-                  <a:txBody>
-                    <a:bodyPr/>
-                    <a:lstStyle/>
-                    <a:p>
-                      <a:r>
-                        <a:rPr lang="en-US" dirty="0"/>
-                        <a:t>. . .</a:t>
-                      </a:r>
-                    </a:p>
-                  </a:txBody>
-                  <a:tcPr/>
-                </a:tc>
-                <a:extLst>
-                  <a:ext uri="{0D108BD9-81ED-4DB2-BD59-A6C34878D82A}">
-                    <a16:rowId xmlns:a16="http://schemas.microsoft.com/office/drawing/2014/main" val="2454315275"/>
-                  </a:ext>
-                </a:extLst>
-              </a:tr>
-              <a:tr h="335192">
-                <a:tc>
-                  <a:txBody>
-                    <a:bodyPr/>
-                    <a:lstStyle/>
-                    <a:p>
-                      <a:r>
-                        <a:rPr lang="en-US" dirty="0"/>
-                        <a:t>. . .</a:t>
-                      </a:r>
-                    </a:p>
-                  </a:txBody>
-                  <a:tcPr/>
-                </a:tc>
-                <a:tc>
-                  <a:txBody>
-                    <a:bodyPr/>
-                    <a:lstStyle/>
-                    <a:p>
-                      <a:pPr marL="0" marR="0" lvl="0" indent="0" algn="l" defTabSz="914400" rtl="0" eaLnBrk="1" fontAlgn="auto" latinLnBrk="0" hangingPunct="1">
-                        <a:lnSpc>
-                          <a:spcPct val="100000"/>
-                        </a:lnSpc>
-                        <a:spcBef>
-                          <a:spcPts val="0"/>
-                        </a:spcBef>
-                        <a:spcAft>
-                          <a:spcPts val="0"/>
-                        </a:spcAft>
-                        <a:buClrTx/>
-                        <a:buSzTx/>
-                        <a:buFontTx/>
-                        <a:buNone/>
-                        <a:tabLst/>
-                        <a:defRPr/>
-                      </a:pPr>
-                      <a:r>
-                        <a:rPr lang="en-US" dirty="0"/>
-                        <a:t>give any info </a:t>
-                      </a:r>
-                    </a:p>
-                  </a:txBody>
-                  <a:tcPr/>
-                </a:tc>
-                <a:extLst>
-                  <a:ext uri="{0D108BD9-81ED-4DB2-BD59-A6C34878D82A}">
-                    <a16:rowId xmlns:a16="http://schemas.microsoft.com/office/drawing/2014/main" val="3508800027"/>
-                  </a:ext>
-                </a:extLst>
-              </a:tr>
-            </a:tbl>
-          </a:graphicData>
-        </a:graphic>
-      </p:graphicFrame>
-      <p:sp>
-        <p:nvSpPr>
-          <p:cNvPr id="10" name="Oval 9">
-            <a:extLst>
-              <a:ext uri="{FF2B5EF4-FFF2-40B4-BE49-F238E27FC236}">
-                <a16:creationId xmlns:a16="http://schemas.microsoft.com/office/drawing/2014/main" id="{FAA9EBEF-60C5-4141-A392-EA968101C06E}"/>
-              </a:ext>
-            </a:extLst>
-          </p:cNvPr>
-          <p:cNvSpPr/>
-          <p:nvPr/>
-        </p:nvSpPr>
-        <p:spPr>
-          <a:xfrm>
-            <a:off x="5552388" y="416797"/>
-            <a:ext cx="6117996" cy="4572000"/>
-          </a:xfrm>
-          <a:prstGeom prst="ellipse">
-            <a:avLst/>
-          </a:prstGeom>
-          <a:noFill/>
-        </p:spPr>
-        <p:style>
-          <a:lnRef idx="2">
-            <a:schemeClr val="accent1">
-              <a:shade val="50000"/>
-            </a:schemeClr>
-          </a:lnRef>
-          <a:fillRef idx="1">
-            <a:schemeClr val="accent1"/>
-          </a:fillRef>
-          <a:effectRef idx="0">
-            <a:schemeClr val="accent1"/>
-          </a:effectRef>
-          <a:fontRef idx="minor">
-            <a:schemeClr val="lt1"/>
-          </a:fontRef>
-        </p:style>
-        <p:txBody>
-          <a:bodyPr rtlCol="0" anchor="ctr"/>
-          <a:lstStyle/>
-          <a:p>
-            <a:pPr algn="ctr"/>
-            <a:endParaRPr lang="en-US" dirty="0"/>
           </a:p>
         </p:txBody>
       </p:sp>
@@ -4778,18 +4925,110 @@
             <a:endParaRPr lang="en-US" dirty="0"/>
           </a:p>
           <a:p>
+            <a:pPr algn="just"/>
+            <a:r>
+              <a:rPr lang="hy-AM" dirty="0"/>
+              <a:t>	</a:t>
+            </a:r>
             <a:r>
               <a:rPr lang="en-US" dirty="0"/>
-              <a:t>	have all necessary 	things to create 	action(slideshow, pointer to </a:t>
-            </a:r>
-            <a:r>
-              <a:rPr lang="en-US" dirty="0" err="1"/>
-              <a:t>actionsStack</a:t>
+              <a:t>have all necessary 	things </a:t>
+            </a:r>
+            <a:r>
+              <a:rPr lang="hy-AM" dirty="0"/>
+              <a:t>	</a:t>
             </a:r>
             <a:r>
               <a:rPr lang="en-US" dirty="0"/>
-              <a:t>, . . . )</a:t>
-            </a:r>
+              <a:t>to create 	action</a:t>
+            </a:r>
+            <a:endParaRPr lang="hy-AM" dirty="0"/>
+          </a:p>
+          <a:p>
+            <a:pPr algn="just"/>
+            <a:r>
+              <a:rPr lang="hy-AM" dirty="0"/>
+              <a:t>	</a:t>
+            </a:r>
+            <a:r>
+              <a:rPr lang="en-US" dirty="0"/>
+              <a:t>(slideshow, . . . )</a:t>
+            </a:r>
+          </a:p>
+        </p:txBody>
+      </p:sp>
+      <p:sp>
+        <p:nvSpPr>
+          <p:cNvPr id="9" name="Oval 8">
+            <a:extLst>
+              <a:ext uri="{FF2B5EF4-FFF2-40B4-BE49-F238E27FC236}">
+                <a16:creationId xmlns:a16="http://schemas.microsoft.com/office/drawing/2014/main" id="{B65142FE-2760-4DB8-A43F-5EC5D57631F7}"/>
+              </a:ext>
+            </a:extLst>
+          </p:cNvPr>
+          <p:cNvSpPr/>
+          <p:nvPr/>
+        </p:nvSpPr>
+        <p:spPr>
+          <a:xfrm>
+            <a:off x="5800015" y="1620420"/>
+            <a:ext cx="6117996" cy="2018926"/>
+          </a:xfrm>
+          <a:prstGeom prst="ellipse">
+            <a:avLst/>
+          </a:prstGeom>
+          <a:noFill/>
+        </p:spPr>
+        <p:style>
+          <a:lnRef idx="2">
+            <a:schemeClr val="accent1">
+              <a:shade val="50000"/>
+            </a:schemeClr>
+          </a:lnRef>
+          <a:fillRef idx="1">
+            <a:schemeClr val="accent1"/>
+          </a:fillRef>
+          <a:effectRef idx="0">
+            <a:schemeClr val="accent1"/>
+          </a:effectRef>
+          <a:fontRef idx="minor">
+            <a:schemeClr val="lt1"/>
+          </a:fontRef>
+        </p:style>
+        <p:txBody>
+          <a:bodyPr rtlCol="0" anchor="ctr"/>
+          <a:lstStyle/>
+          <a:p>
+            <a:r>
+              <a:rPr lang="en-US" dirty="0" err="1">
+                <a:solidFill>
+                  <a:srgbClr val="000000"/>
+                </a:solidFill>
+                <a:latin typeface="Roboto"/>
+              </a:rPr>
+              <a:t>CCommand</a:t>
+            </a:r>
+            <a:endParaRPr lang="en-US" dirty="0">
+              <a:solidFill>
+                <a:schemeClr val="tx1"/>
+              </a:solidFill>
+              <a:latin typeface="Roboto"/>
+            </a:endParaRPr>
+          </a:p>
+          <a:p>
+            <a:r>
+              <a:rPr lang="en-US" dirty="0">
+                <a:solidFill>
+                  <a:schemeClr val="tx1"/>
+                </a:solidFill>
+              </a:rPr>
+              <a:t>	the result of parser</a:t>
+            </a:r>
+            <a:endParaRPr lang="en-US" sz="1200" dirty="0">
+              <a:solidFill>
+                <a:schemeClr val="tx1"/>
+              </a:solidFill>
+            </a:endParaRPr>
           </a:p>
         </p:txBody>
       </p:sp>
